--- a/docs/WeeklyNotes/Report_Nov20.pptx
+++ b/docs/WeeklyNotes/Report_Nov20.pptx
@@ -5,10 +5,10 @@
     <p:sldMasterId id="2147483648" r:id="rId4"/>
   </p:sldMasterIdLst>
   <p:notesMasterIdLst>
-    <p:notesMasterId r:id="rId16"/>
+    <p:notesMasterId r:id="rId17"/>
   </p:notesMasterIdLst>
   <p:handoutMasterIdLst>
-    <p:handoutMasterId r:id="rId17"/>
+    <p:handoutMasterId r:id="rId18"/>
   </p:handoutMasterIdLst>
   <p:sldIdLst>
     <p:sldId id="325" r:id="rId5"/>
@@ -18,10 +18,11 @@
     <p:sldId id="341" r:id="rId9"/>
     <p:sldId id="342" r:id="rId10"/>
     <p:sldId id="329" r:id="rId11"/>
-    <p:sldId id="343" r:id="rId12"/>
-    <p:sldId id="345" r:id="rId13"/>
-    <p:sldId id="346" r:id="rId14"/>
-    <p:sldId id="339" r:id="rId15"/>
+    <p:sldId id="348" r:id="rId12"/>
+    <p:sldId id="343" r:id="rId13"/>
+    <p:sldId id="345" r:id="rId14"/>
+    <p:sldId id="346" r:id="rId15"/>
+    <p:sldId id="339" r:id="rId16"/>
   </p:sldIdLst>
   <p:sldSz cx="12192000" cy="6858000"/>
   <p:notesSz cx="6858000" cy="9144000"/>
@@ -1685,6 +1686,753 @@
 </file>
 
 <file path=ppt/diagrams/colors3.xml><?xml version="1.0" encoding="utf-8"?>
+<dgm:colorsDef xmlns:dgm="http://schemas.openxmlformats.org/drawingml/2006/diagram" xmlns:a="http://schemas.openxmlformats.org/drawingml/2006/main" uniqueId="urn:microsoft.com/office/officeart/2005/8/colors/accent1_2">
+  <dgm:title val=""/>
+  <dgm:desc val=""/>
+  <dgm:catLst>
+    <dgm:cat type="accent1" pri="11200"/>
+  </dgm:catLst>
+  <dgm:styleLbl name="node0">
+    <dgm:fillClrLst meth="repeat">
+      <a:schemeClr val="accent1"/>
+    </dgm:fillClrLst>
+    <dgm:linClrLst meth="repeat">
+      <a:schemeClr val="lt1"/>
+    </dgm:linClrLst>
+    <dgm:effectClrLst/>
+    <dgm:txLinClrLst/>
+    <dgm:txFillClrLst/>
+    <dgm:txEffectClrLst/>
+  </dgm:styleLbl>
+  <dgm:styleLbl name="alignNode1">
+    <dgm:fillClrLst meth="repeat">
+      <a:schemeClr val="accent1"/>
+    </dgm:fillClrLst>
+    <dgm:linClrLst meth="repeat">
+      <a:schemeClr val="accent1"/>
+    </dgm:linClrLst>
+    <dgm:effectClrLst/>
+    <dgm:txLinClrLst/>
+    <dgm:txFillClrLst/>
+    <dgm:txEffectClrLst/>
+  </dgm:styleLbl>
+  <dgm:styleLbl name="node1">
+    <dgm:fillClrLst meth="repeat">
+      <a:schemeClr val="accent1"/>
+    </dgm:fillClrLst>
+    <dgm:linClrLst meth="repeat">
+      <a:schemeClr val="lt1"/>
+    </dgm:linClrLst>
+    <dgm:effectClrLst/>
+    <dgm:txLinClrLst/>
+    <dgm:txFillClrLst/>
+    <dgm:txEffectClrLst/>
+  </dgm:styleLbl>
+  <dgm:styleLbl name="lnNode1">
+    <dgm:fillClrLst meth="repeat">
+      <a:schemeClr val="accent1"/>
+    </dgm:fillClrLst>
+    <dgm:linClrLst meth="repeat">
+      <a:schemeClr val="lt1"/>
+    </dgm:linClrLst>
+    <dgm:effectClrLst/>
+    <dgm:txLinClrLst/>
+    <dgm:txFillClrLst/>
+    <dgm:txEffectClrLst/>
+  </dgm:styleLbl>
+  <dgm:styleLbl name="vennNode1">
+    <dgm:fillClrLst meth="repeat">
+      <a:schemeClr val="accent1">
+        <a:alpha val="50000"/>
+      </a:schemeClr>
+    </dgm:fillClrLst>
+    <dgm:linClrLst meth="repeat">
+      <a:schemeClr val="lt1"/>
+    </dgm:linClrLst>
+    <dgm:effectClrLst/>
+    <dgm:txLinClrLst/>
+    <dgm:txFillClrLst/>
+    <dgm:txEffectClrLst/>
+  </dgm:styleLbl>
+  <dgm:styleLbl name="node2">
+    <dgm:fillClrLst meth="repeat">
+      <a:schemeClr val="accent1"/>
+    </dgm:fillClrLst>
+    <dgm:linClrLst meth="repeat">
+      <a:schemeClr val="lt1"/>
+    </dgm:linClrLst>
+    <dgm:effectClrLst/>
+    <dgm:txLinClrLst/>
+    <dgm:txFillClrLst/>
+    <dgm:txEffectClrLst/>
+  </dgm:styleLbl>
+  <dgm:styleLbl name="node3">
+    <dgm:fillClrLst meth="repeat">
+      <a:schemeClr val="accent1"/>
+    </dgm:fillClrLst>
+    <dgm:linClrLst meth="repeat">
+      <a:schemeClr val="lt1"/>
+    </dgm:linClrLst>
+    <dgm:effectClrLst/>
+    <dgm:txLinClrLst/>
+    <dgm:txFillClrLst/>
+    <dgm:txEffectClrLst/>
+  </dgm:styleLbl>
+  <dgm:styleLbl name="node4">
+    <dgm:fillClrLst meth="repeat">
+      <a:schemeClr val="accent1"/>
+    </dgm:fillClrLst>
+    <dgm:linClrLst meth="repeat">
+      <a:schemeClr val="lt1"/>
+    </dgm:linClrLst>
+    <dgm:effectClrLst/>
+    <dgm:txLinClrLst/>
+    <dgm:txFillClrLst/>
+    <dgm:txEffectClrLst/>
+  </dgm:styleLbl>
+  <dgm:styleLbl name="fgImgPlace1">
+    <dgm:fillClrLst meth="repeat">
+      <a:schemeClr val="accent1">
+        <a:tint val="50000"/>
+      </a:schemeClr>
+    </dgm:fillClrLst>
+    <dgm:linClrLst meth="repeat">
+      <a:schemeClr val="lt1"/>
+    </dgm:linClrLst>
+    <dgm:effectClrLst/>
+    <dgm:txLinClrLst/>
+    <dgm:txFillClrLst meth="repeat">
+      <a:schemeClr val="lt1"/>
+    </dgm:txFillClrLst>
+    <dgm:txEffectClrLst/>
+  </dgm:styleLbl>
+  <dgm:styleLbl name="alignImgPlace1">
+    <dgm:fillClrLst meth="repeat">
+      <a:schemeClr val="accent1">
+        <a:tint val="50000"/>
+      </a:schemeClr>
+    </dgm:fillClrLst>
+    <dgm:linClrLst meth="repeat">
+      <a:schemeClr val="lt1"/>
+    </dgm:linClrLst>
+    <dgm:effectClrLst/>
+    <dgm:txLinClrLst/>
+    <dgm:txFillClrLst meth="repeat">
+      <a:schemeClr val="lt1"/>
+    </dgm:txFillClrLst>
+    <dgm:txEffectClrLst/>
+  </dgm:styleLbl>
+  <dgm:styleLbl name="bgImgPlace1">
+    <dgm:fillClrLst meth="repeat">
+      <a:schemeClr val="accent1">
+        <a:tint val="50000"/>
+      </a:schemeClr>
+    </dgm:fillClrLst>
+    <dgm:linClrLst meth="repeat">
+      <a:schemeClr val="lt1"/>
+    </dgm:linClrLst>
+    <dgm:effectClrLst/>
+    <dgm:txLinClrLst/>
+    <dgm:txFillClrLst meth="repeat">
+      <a:schemeClr val="lt1"/>
+    </dgm:txFillClrLst>
+    <dgm:txEffectClrLst/>
+  </dgm:styleLbl>
+  <dgm:styleLbl name="sibTrans2D1">
+    <dgm:fillClrLst meth="repeat">
+      <a:schemeClr val="accent1">
+        <a:tint val="60000"/>
+      </a:schemeClr>
+    </dgm:fillClrLst>
+    <dgm:linClrLst meth="repeat">
+      <a:schemeClr val="accent1">
+        <a:tint val="60000"/>
+      </a:schemeClr>
+    </dgm:linClrLst>
+    <dgm:effectClrLst/>
+    <dgm:txLinClrLst/>
+    <dgm:txFillClrLst/>
+    <dgm:txEffectClrLst/>
+  </dgm:styleLbl>
+  <dgm:styleLbl name="fgSibTrans2D1">
+    <dgm:fillClrLst meth="repeat">
+      <a:schemeClr val="accent1">
+        <a:tint val="60000"/>
+      </a:schemeClr>
+    </dgm:fillClrLst>
+    <dgm:linClrLst meth="repeat">
+      <a:schemeClr val="accent1">
+        <a:tint val="60000"/>
+      </a:schemeClr>
+    </dgm:linClrLst>
+    <dgm:effectClrLst/>
+    <dgm:txLinClrLst/>
+    <dgm:txFillClrLst/>
+    <dgm:txEffectClrLst/>
+  </dgm:styleLbl>
+  <dgm:styleLbl name="bgSibTrans2D1">
+    <dgm:fillClrLst meth="repeat">
+      <a:schemeClr val="accent1">
+        <a:tint val="60000"/>
+      </a:schemeClr>
+    </dgm:fillClrLst>
+    <dgm:linClrLst meth="repeat">
+      <a:schemeClr val="accent1">
+        <a:tint val="60000"/>
+      </a:schemeClr>
+    </dgm:linClrLst>
+    <dgm:effectClrLst/>
+    <dgm:txLinClrLst/>
+    <dgm:txFillClrLst/>
+    <dgm:txEffectClrLst/>
+  </dgm:styleLbl>
+  <dgm:styleLbl name="sibTrans1D1">
+    <dgm:fillClrLst meth="repeat">
+      <a:schemeClr val="accent1"/>
+    </dgm:fillClrLst>
+    <dgm:linClrLst meth="repeat">
+      <a:schemeClr val="accent1"/>
+    </dgm:linClrLst>
+    <dgm:effectClrLst/>
+    <dgm:txLinClrLst/>
+    <dgm:txFillClrLst meth="repeat">
+      <a:schemeClr val="tx1"/>
+    </dgm:txFillClrLst>
+    <dgm:txEffectClrLst/>
+  </dgm:styleLbl>
+  <dgm:styleLbl name="callout">
+    <dgm:fillClrLst meth="repeat">
+      <a:schemeClr val="accent1"/>
+    </dgm:fillClrLst>
+    <dgm:linClrLst meth="repeat">
+      <a:schemeClr val="accent1">
+        <a:tint val="50000"/>
+      </a:schemeClr>
+    </dgm:linClrLst>
+    <dgm:effectClrLst/>
+    <dgm:txLinClrLst/>
+    <dgm:txFillClrLst meth="repeat">
+      <a:schemeClr val="tx1"/>
+    </dgm:txFillClrLst>
+    <dgm:txEffectClrLst/>
+  </dgm:styleLbl>
+  <dgm:styleLbl name="asst0">
+    <dgm:fillClrLst meth="repeat">
+      <a:schemeClr val="accent1"/>
+    </dgm:fillClrLst>
+    <dgm:linClrLst meth="repeat">
+      <a:schemeClr val="lt1"/>
+    </dgm:linClrLst>
+    <dgm:effectClrLst/>
+    <dgm:txLinClrLst/>
+    <dgm:txFillClrLst/>
+    <dgm:txEffectClrLst/>
+  </dgm:styleLbl>
+  <dgm:styleLbl name="asst1">
+    <dgm:fillClrLst meth="repeat">
+      <a:schemeClr val="accent1"/>
+    </dgm:fillClrLst>
+    <dgm:linClrLst meth="repeat">
+      <a:schemeClr val="lt1"/>
+    </dgm:linClrLst>
+    <dgm:effectClrLst/>
+    <dgm:txLinClrLst/>
+    <dgm:txFillClrLst/>
+    <dgm:txEffectClrLst/>
+  </dgm:styleLbl>
+  <dgm:styleLbl name="asst2">
+    <dgm:fillClrLst meth="repeat">
+      <a:schemeClr val="accent1"/>
+    </dgm:fillClrLst>
+    <dgm:linClrLst meth="repeat">
+      <a:schemeClr val="lt1"/>
+    </dgm:linClrLst>
+    <dgm:effectClrLst/>
+    <dgm:txLinClrLst/>
+    <dgm:txFillClrLst/>
+    <dgm:txEffectClrLst/>
+  </dgm:styleLbl>
+  <dgm:styleLbl name="asst3">
+    <dgm:fillClrLst meth="repeat">
+      <a:schemeClr val="accent1"/>
+    </dgm:fillClrLst>
+    <dgm:linClrLst meth="repeat">
+      <a:schemeClr val="lt1"/>
+    </dgm:linClrLst>
+    <dgm:effectClrLst/>
+    <dgm:txLinClrLst/>
+    <dgm:txFillClrLst/>
+    <dgm:txEffectClrLst/>
+  </dgm:styleLbl>
+  <dgm:styleLbl name="asst4">
+    <dgm:fillClrLst meth="repeat">
+      <a:schemeClr val="accent1"/>
+    </dgm:fillClrLst>
+    <dgm:linClrLst meth="repeat">
+      <a:schemeClr val="lt1"/>
+    </dgm:linClrLst>
+    <dgm:effectClrLst/>
+    <dgm:txLinClrLst/>
+    <dgm:txFillClrLst/>
+    <dgm:txEffectClrLst/>
+  </dgm:styleLbl>
+  <dgm:styleLbl name="parChTrans2D1">
+    <dgm:fillClrLst meth="repeat">
+      <a:schemeClr val="accent1">
+        <a:tint val="60000"/>
+      </a:schemeClr>
+    </dgm:fillClrLst>
+    <dgm:linClrLst meth="repeat">
+      <a:schemeClr val="accent1">
+        <a:tint val="60000"/>
+      </a:schemeClr>
+    </dgm:linClrLst>
+    <dgm:effectClrLst/>
+    <dgm:txLinClrLst/>
+    <dgm:txFillClrLst meth="repeat">
+      <a:schemeClr val="lt1"/>
+    </dgm:txFillClrLst>
+    <dgm:txEffectClrLst/>
+  </dgm:styleLbl>
+  <dgm:styleLbl name="parChTrans2D2">
+    <dgm:fillClrLst meth="repeat">
+      <a:schemeClr val="accent1"/>
+    </dgm:fillClrLst>
+    <dgm:linClrLst meth="repeat">
+      <a:schemeClr val="accent1"/>
+    </dgm:linClrLst>
+    <dgm:effectClrLst/>
+    <dgm:txLinClrLst/>
+    <dgm:txFillClrLst meth="repeat">
+      <a:schemeClr val="lt1"/>
+    </dgm:txFillClrLst>
+    <dgm:txEffectClrLst/>
+  </dgm:styleLbl>
+  <dgm:styleLbl name="parChTrans2D3">
+    <dgm:fillClrLst meth="repeat">
+      <a:schemeClr val="accent1"/>
+    </dgm:fillClrLst>
+    <dgm:linClrLst meth="repeat">
+      <a:schemeClr val="accent1"/>
+    </dgm:linClrLst>
+    <dgm:effectClrLst/>
+    <dgm:txLinClrLst/>
+    <dgm:txFillClrLst meth="repeat">
+      <a:schemeClr val="lt1"/>
+    </dgm:txFillClrLst>
+    <dgm:txEffectClrLst/>
+  </dgm:styleLbl>
+  <dgm:styleLbl name="parChTrans2D4">
+    <dgm:fillClrLst meth="repeat">
+      <a:schemeClr val="accent1"/>
+    </dgm:fillClrLst>
+    <dgm:linClrLst meth="repeat">
+      <a:schemeClr val="accent1"/>
+    </dgm:linClrLst>
+    <dgm:effectClrLst/>
+    <dgm:txLinClrLst/>
+    <dgm:txFillClrLst meth="repeat">
+      <a:schemeClr val="lt1"/>
+    </dgm:txFillClrLst>
+    <dgm:txEffectClrLst/>
+  </dgm:styleLbl>
+  <dgm:styleLbl name="parChTrans1D1">
+    <dgm:fillClrLst meth="repeat">
+      <a:schemeClr val="accent1"/>
+    </dgm:fillClrLst>
+    <dgm:linClrLst meth="repeat">
+      <a:schemeClr val="accent1">
+        <a:shade val="60000"/>
+      </a:schemeClr>
+    </dgm:linClrLst>
+    <dgm:effectClrLst/>
+    <dgm:txLinClrLst/>
+    <dgm:txFillClrLst meth="repeat">
+      <a:schemeClr val="tx1"/>
+    </dgm:txFillClrLst>
+    <dgm:txEffectClrLst/>
+  </dgm:styleLbl>
+  <dgm:styleLbl name="parChTrans1D2">
+    <dgm:fillClrLst meth="repeat">
+      <a:schemeClr val="accent1"/>
+    </dgm:fillClrLst>
+    <dgm:linClrLst meth="repeat">
+      <a:schemeClr val="accent1">
+        <a:shade val="60000"/>
+      </a:schemeClr>
+    </dgm:linClrLst>
+    <dgm:effectClrLst/>
+    <dgm:txLinClrLst/>
+    <dgm:txFillClrLst meth="repeat">
+      <a:schemeClr val="tx1"/>
+    </dgm:txFillClrLst>
+    <dgm:txEffectClrLst/>
+  </dgm:styleLbl>
+  <dgm:styleLbl name="parChTrans1D3">
+    <dgm:fillClrLst meth="repeat">
+      <a:schemeClr val="accent1"/>
+    </dgm:fillClrLst>
+    <dgm:linClrLst meth="repeat">
+      <a:schemeClr val="accent1">
+        <a:shade val="80000"/>
+      </a:schemeClr>
+    </dgm:linClrLst>
+    <dgm:effectClrLst/>
+    <dgm:txLinClrLst/>
+    <dgm:txFillClrLst meth="repeat">
+      <a:schemeClr val="tx1"/>
+    </dgm:txFillClrLst>
+    <dgm:txEffectClrLst/>
+  </dgm:styleLbl>
+  <dgm:styleLbl name="parChTrans1D4">
+    <dgm:fillClrLst meth="repeat">
+      <a:schemeClr val="accent1"/>
+    </dgm:fillClrLst>
+    <dgm:linClrLst meth="repeat">
+      <a:schemeClr val="accent1">
+        <a:shade val="80000"/>
+      </a:schemeClr>
+    </dgm:linClrLst>
+    <dgm:effectClrLst/>
+    <dgm:txLinClrLst/>
+    <dgm:txFillClrLst meth="repeat">
+      <a:schemeClr val="tx1"/>
+    </dgm:txFillClrLst>
+    <dgm:txEffectClrLst/>
+  </dgm:styleLbl>
+  <dgm:styleLbl name="fgAcc1">
+    <dgm:fillClrLst meth="repeat">
+      <a:schemeClr val="lt1">
+        <a:alpha val="90000"/>
+      </a:schemeClr>
+    </dgm:fillClrLst>
+    <dgm:linClrLst meth="repeat">
+      <a:schemeClr val="accent1"/>
+    </dgm:linClrLst>
+    <dgm:effectClrLst/>
+    <dgm:txLinClrLst/>
+    <dgm:txFillClrLst meth="repeat">
+      <a:schemeClr val="dk1"/>
+    </dgm:txFillClrLst>
+    <dgm:txEffectClrLst/>
+  </dgm:styleLbl>
+  <dgm:styleLbl name="conFgAcc1">
+    <dgm:fillClrLst meth="repeat">
+      <a:schemeClr val="lt1">
+        <a:alpha val="90000"/>
+      </a:schemeClr>
+    </dgm:fillClrLst>
+    <dgm:linClrLst meth="repeat">
+      <a:schemeClr val="accent1"/>
+    </dgm:linClrLst>
+    <dgm:effectClrLst/>
+    <dgm:txLinClrLst/>
+    <dgm:txFillClrLst meth="repeat">
+      <a:schemeClr val="dk1"/>
+    </dgm:txFillClrLst>
+    <dgm:txEffectClrLst/>
+  </dgm:styleLbl>
+  <dgm:styleLbl name="alignAcc1">
+    <dgm:fillClrLst meth="repeat">
+      <a:schemeClr val="lt1">
+        <a:alpha val="90000"/>
+      </a:schemeClr>
+    </dgm:fillClrLst>
+    <dgm:linClrLst meth="repeat">
+      <a:schemeClr val="accent1"/>
+    </dgm:linClrLst>
+    <dgm:effectClrLst/>
+    <dgm:txLinClrLst/>
+    <dgm:txFillClrLst meth="repeat">
+      <a:schemeClr val="dk1"/>
+    </dgm:txFillClrLst>
+    <dgm:txEffectClrLst/>
+  </dgm:styleLbl>
+  <dgm:styleLbl name="trAlignAcc1">
+    <dgm:fillClrLst meth="repeat">
+      <a:schemeClr val="lt1">
+        <a:alpha val="40000"/>
+      </a:schemeClr>
+    </dgm:fillClrLst>
+    <dgm:linClrLst meth="repeat">
+      <a:schemeClr val="accent1"/>
+    </dgm:linClrLst>
+    <dgm:effectClrLst/>
+    <dgm:txLinClrLst/>
+    <dgm:txFillClrLst meth="repeat">
+      <a:schemeClr val="dk1"/>
+    </dgm:txFillClrLst>
+    <dgm:txEffectClrLst/>
+  </dgm:styleLbl>
+  <dgm:styleLbl name="bgAcc1">
+    <dgm:fillClrLst meth="repeat">
+      <a:schemeClr val="lt1">
+        <a:alpha val="90000"/>
+      </a:schemeClr>
+    </dgm:fillClrLst>
+    <dgm:linClrLst meth="repeat">
+      <a:schemeClr val="accent1"/>
+    </dgm:linClrLst>
+    <dgm:effectClrLst/>
+    <dgm:txLinClrLst/>
+    <dgm:txFillClrLst meth="repeat">
+      <a:schemeClr val="dk1"/>
+    </dgm:txFillClrLst>
+    <dgm:txEffectClrLst/>
+  </dgm:styleLbl>
+  <dgm:styleLbl name="solidFgAcc1">
+    <dgm:fillClrLst meth="repeat">
+      <a:schemeClr val="lt1"/>
+    </dgm:fillClrLst>
+    <dgm:linClrLst meth="repeat">
+      <a:schemeClr val="accent1"/>
+    </dgm:linClrLst>
+    <dgm:effectClrLst/>
+    <dgm:txLinClrLst/>
+    <dgm:txFillClrLst meth="repeat">
+      <a:schemeClr val="dk1"/>
+    </dgm:txFillClrLst>
+    <dgm:txEffectClrLst/>
+  </dgm:styleLbl>
+  <dgm:styleLbl name="solidAlignAcc1">
+    <dgm:fillClrLst meth="repeat">
+      <a:schemeClr val="lt1"/>
+    </dgm:fillClrLst>
+    <dgm:linClrLst meth="repeat">
+      <a:schemeClr val="accent1"/>
+    </dgm:linClrLst>
+    <dgm:effectClrLst/>
+    <dgm:txLinClrLst/>
+    <dgm:txFillClrLst meth="repeat">
+      <a:schemeClr val="dk1"/>
+    </dgm:txFillClrLst>
+    <dgm:txEffectClrLst/>
+  </dgm:styleLbl>
+  <dgm:styleLbl name="solidBgAcc1">
+    <dgm:fillClrLst meth="repeat">
+      <a:schemeClr val="lt1"/>
+    </dgm:fillClrLst>
+    <dgm:linClrLst meth="repeat">
+      <a:schemeClr val="accent1"/>
+    </dgm:linClrLst>
+    <dgm:effectClrLst/>
+    <dgm:txLinClrLst/>
+    <dgm:txFillClrLst meth="repeat">
+      <a:schemeClr val="dk1"/>
+    </dgm:txFillClrLst>
+    <dgm:txEffectClrLst/>
+  </dgm:styleLbl>
+  <dgm:styleLbl name="fgAccFollowNode1">
+    <dgm:fillClrLst meth="repeat">
+      <a:schemeClr val="accent1">
+        <a:alpha val="90000"/>
+        <a:tint val="40000"/>
+      </a:schemeClr>
+    </dgm:fillClrLst>
+    <dgm:linClrLst meth="repeat">
+      <a:schemeClr val="accent1">
+        <a:alpha val="90000"/>
+        <a:tint val="40000"/>
+      </a:schemeClr>
+    </dgm:linClrLst>
+    <dgm:effectClrLst/>
+    <dgm:txLinClrLst/>
+    <dgm:txFillClrLst meth="repeat">
+      <a:schemeClr val="dk1"/>
+    </dgm:txFillClrLst>
+    <dgm:txEffectClrLst/>
+  </dgm:styleLbl>
+  <dgm:styleLbl name="alignAccFollowNode1">
+    <dgm:fillClrLst meth="repeat">
+      <a:schemeClr val="accent1">
+        <a:alpha val="90000"/>
+        <a:tint val="40000"/>
+      </a:schemeClr>
+    </dgm:fillClrLst>
+    <dgm:linClrLst meth="repeat">
+      <a:schemeClr val="accent1">
+        <a:alpha val="90000"/>
+        <a:tint val="40000"/>
+      </a:schemeClr>
+    </dgm:linClrLst>
+    <dgm:effectClrLst/>
+    <dgm:txLinClrLst/>
+    <dgm:txFillClrLst meth="repeat">
+      <a:schemeClr val="dk1"/>
+    </dgm:txFillClrLst>
+    <dgm:txEffectClrLst/>
+  </dgm:styleLbl>
+  <dgm:styleLbl name="bgAccFollowNode1">
+    <dgm:fillClrLst meth="repeat">
+      <a:schemeClr val="accent1">
+        <a:alpha val="90000"/>
+        <a:tint val="40000"/>
+      </a:schemeClr>
+    </dgm:fillClrLst>
+    <dgm:linClrLst meth="repeat">
+      <a:schemeClr val="accent1">
+        <a:alpha val="90000"/>
+        <a:tint val="40000"/>
+      </a:schemeClr>
+    </dgm:linClrLst>
+    <dgm:effectClrLst/>
+    <dgm:txLinClrLst/>
+    <dgm:txFillClrLst meth="repeat">
+      <a:schemeClr val="dk1"/>
+    </dgm:txFillClrLst>
+    <dgm:txEffectClrLst/>
+  </dgm:styleLbl>
+  <dgm:styleLbl name="fgAcc0">
+    <dgm:fillClrLst meth="repeat">
+      <a:schemeClr val="lt1">
+        <a:alpha val="90000"/>
+      </a:schemeClr>
+    </dgm:fillClrLst>
+    <dgm:linClrLst meth="repeat">
+      <a:schemeClr val="accent1"/>
+    </dgm:linClrLst>
+    <dgm:effectClrLst/>
+    <dgm:txLinClrLst/>
+    <dgm:txFillClrLst meth="repeat">
+      <a:schemeClr val="dk1"/>
+    </dgm:txFillClrLst>
+    <dgm:txEffectClrLst/>
+  </dgm:styleLbl>
+  <dgm:styleLbl name="fgAcc2">
+    <dgm:fillClrLst meth="repeat">
+      <a:schemeClr val="lt1">
+        <a:alpha val="90000"/>
+      </a:schemeClr>
+    </dgm:fillClrLst>
+    <dgm:linClrLst meth="repeat">
+      <a:schemeClr val="accent1"/>
+    </dgm:linClrLst>
+    <dgm:effectClrLst/>
+    <dgm:txLinClrLst/>
+    <dgm:txFillClrLst meth="repeat">
+      <a:schemeClr val="dk1"/>
+    </dgm:txFillClrLst>
+    <dgm:txEffectClrLst/>
+  </dgm:styleLbl>
+  <dgm:styleLbl name="fgAcc3">
+    <dgm:fillClrLst meth="repeat">
+      <a:schemeClr val="lt1">
+        <a:alpha val="90000"/>
+      </a:schemeClr>
+    </dgm:fillClrLst>
+    <dgm:linClrLst meth="repeat">
+      <a:schemeClr val="accent1"/>
+    </dgm:linClrLst>
+    <dgm:effectClrLst/>
+    <dgm:txLinClrLst/>
+    <dgm:txFillClrLst meth="repeat">
+      <a:schemeClr val="dk1"/>
+    </dgm:txFillClrLst>
+    <dgm:txEffectClrLst/>
+  </dgm:styleLbl>
+  <dgm:styleLbl name="fgAcc4">
+    <dgm:fillClrLst meth="repeat">
+      <a:schemeClr val="lt1">
+        <a:alpha val="90000"/>
+      </a:schemeClr>
+    </dgm:fillClrLst>
+    <dgm:linClrLst meth="repeat">
+      <a:schemeClr val="accent1"/>
+    </dgm:linClrLst>
+    <dgm:effectClrLst/>
+    <dgm:txLinClrLst/>
+    <dgm:txFillClrLst meth="repeat">
+      <a:schemeClr val="dk1"/>
+    </dgm:txFillClrLst>
+    <dgm:txEffectClrLst/>
+  </dgm:styleLbl>
+  <dgm:styleLbl name="bgShp">
+    <dgm:fillClrLst meth="repeat">
+      <a:schemeClr val="accent1">
+        <a:tint val="40000"/>
+      </a:schemeClr>
+    </dgm:fillClrLst>
+    <dgm:linClrLst meth="repeat">
+      <a:schemeClr val="accent1"/>
+    </dgm:linClrLst>
+    <dgm:effectClrLst/>
+    <dgm:txLinClrLst/>
+    <dgm:txFillClrLst meth="repeat">
+      <a:schemeClr val="dk1"/>
+    </dgm:txFillClrLst>
+    <dgm:txEffectClrLst/>
+  </dgm:styleLbl>
+  <dgm:styleLbl name="dkBgShp">
+    <dgm:fillClrLst meth="repeat">
+      <a:schemeClr val="accent1">
+        <a:shade val="80000"/>
+      </a:schemeClr>
+    </dgm:fillClrLst>
+    <dgm:linClrLst meth="repeat">
+      <a:schemeClr val="accent1"/>
+    </dgm:linClrLst>
+    <dgm:effectClrLst/>
+    <dgm:txLinClrLst/>
+    <dgm:txFillClrLst meth="repeat">
+      <a:schemeClr val="lt1"/>
+    </dgm:txFillClrLst>
+    <dgm:txEffectClrLst/>
+  </dgm:styleLbl>
+  <dgm:styleLbl name="trBgShp">
+    <dgm:fillClrLst meth="repeat">
+      <a:schemeClr val="accent1">
+        <a:tint val="50000"/>
+        <a:alpha val="40000"/>
+      </a:schemeClr>
+    </dgm:fillClrLst>
+    <dgm:linClrLst meth="repeat">
+      <a:schemeClr val="accent1"/>
+    </dgm:linClrLst>
+    <dgm:effectClrLst/>
+    <dgm:txLinClrLst/>
+    <dgm:txFillClrLst meth="repeat">
+      <a:schemeClr val="lt1"/>
+    </dgm:txFillClrLst>
+    <dgm:txEffectClrLst/>
+  </dgm:styleLbl>
+  <dgm:styleLbl name="fgShp">
+    <dgm:fillClrLst meth="repeat">
+      <a:schemeClr val="accent1">
+        <a:tint val="60000"/>
+      </a:schemeClr>
+    </dgm:fillClrLst>
+    <dgm:linClrLst meth="repeat">
+      <a:schemeClr val="lt1"/>
+    </dgm:linClrLst>
+    <dgm:effectClrLst/>
+    <dgm:txLinClrLst/>
+    <dgm:txFillClrLst meth="repeat">
+      <a:schemeClr val="dk1"/>
+    </dgm:txFillClrLst>
+    <dgm:txEffectClrLst/>
+  </dgm:styleLbl>
+  <dgm:styleLbl name="revTx">
+    <dgm:fillClrLst meth="repeat">
+      <a:schemeClr val="lt1">
+        <a:alpha val="0"/>
+      </a:schemeClr>
+    </dgm:fillClrLst>
+    <dgm:linClrLst meth="repeat">
+      <a:schemeClr val="dk1">
+        <a:alpha val="0"/>
+      </a:schemeClr>
+    </dgm:linClrLst>
+    <dgm:effectClrLst/>
+    <dgm:txLinClrLst/>
+    <dgm:txFillClrLst meth="repeat">
+      <a:schemeClr val="tx1"/>
+    </dgm:txFillClrLst>
+    <dgm:txEffectClrLst/>
+  </dgm:styleLbl>
+</dgm:colorsDef>
+</file>
+
+<file path=ppt/diagrams/colors4.xml><?xml version="1.0" encoding="utf-8"?>
 <dgm:colorsDef xmlns:dgm="http://schemas.openxmlformats.org/drawingml/2006/diagram" xmlns:a="http://schemas.openxmlformats.org/drawingml/2006/main" uniqueId="urn:microsoft.com/office/officeart/2005/8/colors/accent0_2">
   <dgm:title val=""/>
   <dgm:desc val=""/>
@@ -2491,7 +3239,7 @@
 </dgm:colorsDef>
 </file>
 
-<file path=ppt/diagrams/colors4.xml><?xml version="1.0" encoding="utf-8"?>
+<file path=ppt/diagrams/colors5.xml><?xml version="1.0" encoding="utf-8"?>
 <dgm:colorsDef xmlns:dgm="http://schemas.openxmlformats.org/drawingml/2006/diagram" xmlns:a="http://schemas.openxmlformats.org/drawingml/2006/main" uniqueId="urn:microsoft.com/office/officeart/2005/8/colors/accent1_2">
   <dgm:title val=""/>
   <dgm:desc val=""/>
@@ -3781,6 +4529,323 @@
 <file path=ppt/diagrams/data3.xml><?xml version="1.0" encoding="utf-8"?>
 <dgm:dataModel xmlns:dgm="http://schemas.openxmlformats.org/drawingml/2006/diagram" xmlns:a="http://schemas.openxmlformats.org/drawingml/2006/main">
   <dgm:ptLst>
+    <dgm:pt modelId="{C3EE13EC-B821-45A8-AA91-963075875330}" type="doc">
+      <dgm:prSet loTypeId="urn:microsoft.com/office/officeart/2005/8/layout/vList6" loCatId="list" qsTypeId="urn:microsoft.com/office/officeart/2005/8/quickstyle/simple1" qsCatId="simple" csTypeId="urn:microsoft.com/office/officeart/2005/8/colors/accent1_2" csCatId="accent1" phldr="1"/>
+      <dgm:spPr/>
+      <dgm:t>
+        <a:bodyPr/>
+        <a:lstStyle/>
+        <a:p>
+          <a:endParaRPr lang="en-US"/>
+        </a:p>
+      </dgm:t>
+    </dgm:pt>
+    <dgm:pt modelId="{61E46DEF-B7FE-4F7B-9AAB-DEBE9E3ABB3B}">
+      <dgm:prSet phldrT="[Text]"/>
+      <dgm:spPr/>
+      <dgm:t>
+        <a:bodyPr/>
+        <a:lstStyle/>
+        <a:p>
+          <a:r>
+            <a:rPr lang="en-US" dirty="0"/>
+            <a:t>Capturing</a:t>
+          </a:r>
+        </a:p>
+      </dgm:t>
+    </dgm:pt>
+    <dgm:pt modelId="{CA7B0FAE-9BB1-42F0-9863-AF1FA87E6EAC}" type="parTrans" cxnId="{83D94E7B-B9E8-4EC4-B19B-588D8C3D1608}">
+      <dgm:prSet/>
+      <dgm:spPr/>
+      <dgm:t>
+        <a:bodyPr/>
+        <a:lstStyle/>
+        <a:p>
+          <a:endParaRPr lang="en-US"/>
+        </a:p>
+      </dgm:t>
+    </dgm:pt>
+    <dgm:pt modelId="{8D4838BA-E07E-469C-A654-0654718C7918}" type="sibTrans" cxnId="{83D94E7B-B9E8-4EC4-B19B-588D8C3D1608}">
+      <dgm:prSet/>
+      <dgm:spPr/>
+      <dgm:t>
+        <a:bodyPr/>
+        <a:lstStyle/>
+        <a:p>
+          <a:endParaRPr lang="en-US"/>
+        </a:p>
+      </dgm:t>
+    </dgm:pt>
+    <dgm:pt modelId="{3F4F1755-616F-4452-9EA2-10348A349AD0}">
+      <dgm:prSet phldrT="[Text]"/>
+      <dgm:spPr/>
+      <dgm:t>
+        <a:bodyPr/>
+        <a:lstStyle/>
+        <a:p>
+          <a:r>
+            <a:rPr lang="en-US" dirty="0"/>
+            <a:t>Camera with ISP</a:t>
+          </a:r>
+        </a:p>
+      </dgm:t>
+    </dgm:pt>
+    <dgm:pt modelId="{9CFC8690-6A88-4484-A115-7452E43C7573}" type="parTrans" cxnId="{A33307D1-EC07-442C-BFED-D6F283857579}">
+      <dgm:prSet/>
+      <dgm:spPr/>
+      <dgm:t>
+        <a:bodyPr/>
+        <a:lstStyle/>
+        <a:p>
+          <a:endParaRPr lang="en-US"/>
+        </a:p>
+      </dgm:t>
+    </dgm:pt>
+    <dgm:pt modelId="{6C95E9F1-6889-4F3B-A969-6BDDE9C8FD8A}" type="sibTrans" cxnId="{A33307D1-EC07-442C-BFED-D6F283857579}">
+      <dgm:prSet/>
+      <dgm:spPr/>
+      <dgm:t>
+        <a:bodyPr/>
+        <a:lstStyle/>
+        <a:p>
+          <a:endParaRPr lang="en-US"/>
+        </a:p>
+      </dgm:t>
+    </dgm:pt>
+    <dgm:pt modelId="{93BBF373-3148-46B7-8EF3-E59AC0A199B9}">
+      <dgm:prSet phldrT="[Text]"/>
+      <dgm:spPr/>
+      <dgm:t>
+        <a:bodyPr/>
+        <a:lstStyle/>
+        <a:p>
+          <a:r>
+            <a:rPr lang="en-US" dirty="0"/>
+            <a:t>An automobile to mount camera on</a:t>
+          </a:r>
+        </a:p>
+      </dgm:t>
+    </dgm:pt>
+    <dgm:pt modelId="{58459C5D-653E-4371-ADCD-5460C55F08EA}" type="parTrans" cxnId="{B3439BC7-ACED-4F90-8B95-BBEB045B5C11}">
+      <dgm:prSet/>
+      <dgm:spPr/>
+      <dgm:t>
+        <a:bodyPr/>
+        <a:lstStyle/>
+        <a:p>
+          <a:endParaRPr lang="en-US"/>
+        </a:p>
+      </dgm:t>
+    </dgm:pt>
+    <dgm:pt modelId="{854A1FA0-618F-4651-8C0A-4BEF51E190D3}" type="sibTrans" cxnId="{B3439BC7-ACED-4F90-8B95-BBEB045B5C11}">
+      <dgm:prSet/>
+      <dgm:spPr/>
+      <dgm:t>
+        <a:bodyPr/>
+        <a:lstStyle/>
+        <a:p>
+          <a:endParaRPr lang="en-US"/>
+        </a:p>
+      </dgm:t>
+    </dgm:pt>
+    <dgm:pt modelId="{A7DB20BA-9F70-44D9-8D5A-F9B90387476A}">
+      <dgm:prSet phldrT="[Text]"/>
+      <dgm:spPr/>
+      <dgm:t>
+        <a:bodyPr/>
+        <a:lstStyle/>
+        <a:p>
+          <a:r>
+            <a:rPr lang="en-US" dirty="0"/>
+            <a:t>Processing</a:t>
+          </a:r>
+        </a:p>
+      </dgm:t>
+    </dgm:pt>
+    <dgm:pt modelId="{33C1C7E3-D8AA-404C-9078-3FAD0EE1EF4C}" type="parTrans" cxnId="{490BBDF6-8CD6-4486-A031-57469DB698A4}">
+      <dgm:prSet/>
+      <dgm:spPr/>
+      <dgm:t>
+        <a:bodyPr/>
+        <a:lstStyle/>
+        <a:p>
+          <a:endParaRPr lang="en-US"/>
+        </a:p>
+      </dgm:t>
+    </dgm:pt>
+    <dgm:pt modelId="{8B491F6E-82BA-4A3B-AFF0-6C783B88BD2F}" type="sibTrans" cxnId="{490BBDF6-8CD6-4486-A031-57469DB698A4}">
+      <dgm:prSet/>
+      <dgm:spPr/>
+      <dgm:t>
+        <a:bodyPr/>
+        <a:lstStyle/>
+        <a:p>
+          <a:endParaRPr lang="en-US"/>
+        </a:p>
+      </dgm:t>
+    </dgm:pt>
+    <dgm:pt modelId="{6836BF90-268D-4CBB-A777-D2F9B77DD555}">
+      <dgm:prSet phldrT="[Text]"/>
+      <dgm:spPr/>
+      <dgm:t>
+        <a:bodyPr/>
+        <a:lstStyle/>
+        <a:p>
+          <a:r>
+            <a:rPr lang="en-US" dirty="0"/>
+            <a:t>[CPU speed]</a:t>
+          </a:r>
+        </a:p>
+      </dgm:t>
+    </dgm:pt>
+    <dgm:pt modelId="{53945D7D-4AF5-46AA-8419-E4176DDA3687}" type="parTrans" cxnId="{B51D360C-D74B-42C8-A873-CD3D4F2B5660}">
+      <dgm:prSet/>
+      <dgm:spPr/>
+      <dgm:t>
+        <a:bodyPr/>
+        <a:lstStyle/>
+        <a:p>
+          <a:endParaRPr lang="en-US"/>
+        </a:p>
+      </dgm:t>
+    </dgm:pt>
+    <dgm:pt modelId="{F415F446-06BC-4B29-8CBB-B46E20A771B9}" type="sibTrans" cxnId="{B51D360C-D74B-42C8-A873-CD3D4F2B5660}">
+      <dgm:prSet/>
+      <dgm:spPr/>
+      <dgm:t>
+        <a:bodyPr/>
+        <a:lstStyle/>
+        <a:p>
+          <a:endParaRPr lang="en-US"/>
+        </a:p>
+      </dgm:t>
+    </dgm:pt>
+    <dgm:pt modelId="{509509B1-0A88-4084-9EB1-3E3C516DB76D}">
+      <dgm:prSet phldrT="[Text]"/>
+      <dgm:spPr/>
+      <dgm:t>
+        <a:bodyPr/>
+        <a:lstStyle/>
+        <a:p>
+          <a:r>
+            <a:rPr lang="en-US" dirty="0"/>
+            <a:t>[Other requirement]</a:t>
+          </a:r>
+        </a:p>
+      </dgm:t>
+    </dgm:pt>
+    <dgm:pt modelId="{783B9B12-C18D-4B4B-9619-3F278D92A1A0}" type="parTrans" cxnId="{5FE6DE68-B404-4DC6-917E-F340229ACAE2}">
+      <dgm:prSet/>
+      <dgm:spPr/>
+      <dgm:t>
+        <a:bodyPr/>
+        <a:lstStyle/>
+        <a:p>
+          <a:endParaRPr lang="en-US"/>
+        </a:p>
+      </dgm:t>
+    </dgm:pt>
+    <dgm:pt modelId="{83260C65-6C21-4362-85BF-0D5B97855DBE}" type="sibTrans" cxnId="{5FE6DE68-B404-4DC6-917E-F340229ACAE2}">
+      <dgm:prSet/>
+      <dgm:spPr/>
+      <dgm:t>
+        <a:bodyPr/>
+        <a:lstStyle/>
+        <a:p>
+          <a:endParaRPr lang="en-US"/>
+        </a:p>
+      </dgm:t>
+    </dgm:pt>
+    <dgm:pt modelId="{CCC8DDDC-FA4E-4C00-BE09-A0755F006CA5}" type="pres">
+      <dgm:prSet presAssocID="{C3EE13EC-B821-45A8-AA91-963075875330}" presName="Name0" presStyleCnt="0">
+        <dgm:presLayoutVars>
+          <dgm:dir/>
+          <dgm:animLvl val="lvl"/>
+          <dgm:resizeHandles/>
+        </dgm:presLayoutVars>
+      </dgm:prSet>
+      <dgm:spPr/>
+    </dgm:pt>
+    <dgm:pt modelId="{2868B395-2EFF-4D9F-9DD9-019F51832C51}" type="pres">
+      <dgm:prSet presAssocID="{61E46DEF-B7FE-4F7B-9AAB-DEBE9E3ABB3B}" presName="linNode" presStyleCnt="0"/>
+      <dgm:spPr/>
+    </dgm:pt>
+    <dgm:pt modelId="{A644B6D2-DF3D-45F1-A878-3D2B4F657EB0}" type="pres">
+      <dgm:prSet presAssocID="{61E46DEF-B7FE-4F7B-9AAB-DEBE9E3ABB3B}" presName="parentShp" presStyleLbl="node1" presStyleIdx="0" presStyleCnt="2">
+        <dgm:presLayoutVars>
+          <dgm:bulletEnabled val="1"/>
+        </dgm:presLayoutVars>
+      </dgm:prSet>
+      <dgm:spPr/>
+    </dgm:pt>
+    <dgm:pt modelId="{B51B40F7-4E25-40B5-A2DF-1A7802C75615}" type="pres">
+      <dgm:prSet presAssocID="{61E46DEF-B7FE-4F7B-9AAB-DEBE9E3ABB3B}" presName="childShp" presStyleLbl="bgAccFollowNode1" presStyleIdx="0" presStyleCnt="2">
+        <dgm:presLayoutVars>
+          <dgm:bulletEnabled val="1"/>
+        </dgm:presLayoutVars>
+      </dgm:prSet>
+      <dgm:spPr/>
+    </dgm:pt>
+    <dgm:pt modelId="{E768C566-1E83-4BBB-81BA-14350F1D509F}" type="pres">
+      <dgm:prSet presAssocID="{8D4838BA-E07E-469C-A654-0654718C7918}" presName="spacing" presStyleCnt="0"/>
+      <dgm:spPr/>
+    </dgm:pt>
+    <dgm:pt modelId="{248C4059-0221-4479-BFF1-2EF47024C596}" type="pres">
+      <dgm:prSet presAssocID="{A7DB20BA-9F70-44D9-8D5A-F9B90387476A}" presName="linNode" presStyleCnt="0"/>
+      <dgm:spPr/>
+    </dgm:pt>
+    <dgm:pt modelId="{600AD5DB-8B4F-41C9-BF47-180DE9434FA6}" type="pres">
+      <dgm:prSet presAssocID="{A7DB20BA-9F70-44D9-8D5A-F9B90387476A}" presName="parentShp" presStyleLbl="node1" presStyleIdx="1" presStyleCnt="2">
+        <dgm:presLayoutVars>
+          <dgm:bulletEnabled val="1"/>
+        </dgm:presLayoutVars>
+      </dgm:prSet>
+      <dgm:spPr/>
+    </dgm:pt>
+    <dgm:pt modelId="{C388A9E3-3060-4DBE-9ECC-3E4271417FAA}" type="pres">
+      <dgm:prSet presAssocID="{A7DB20BA-9F70-44D9-8D5A-F9B90387476A}" presName="childShp" presStyleLbl="bgAccFollowNode1" presStyleIdx="1" presStyleCnt="2">
+        <dgm:presLayoutVars>
+          <dgm:bulletEnabled val="1"/>
+        </dgm:presLayoutVars>
+      </dgm:prSet>
+      <dgm:spPr/>
+    </dgm:pt>
+  </dgm:ptLst>
+  <dgm:cxnLst>
+    <dgm:cxn modelId="{B51D360C-D74B-42C8-A873-CD3D4F2B5660}" srcId="{A7DB20BA-9F70-44D9-8D5A-F9B90387476A}" destId="{6836BF90-268D-4CBB-A777-D2F9B77DD555}" srcOrd="0" destOrd="0" parTransId="{53945D7D-4AF5-46AA-8419-E4176DDA3687}" sibTransId="{F415F446-06BC-4B29-8CBB-B46E20A771B9}"/>
+    <dgm:cxn modelId="{E2ED5B15-CEFD-4534-9B47-7AF1F9C3F33A}" type="presOf" srcId="{6836BF90-268D-4CBB-A777-D2F9B77DD555}" destId="{C388A9E3-3060-4DBE-9ECC-3E4271417FAA}" srcOrd="0" destOrd="0" presId="urn:microsoft.com/office/officeart/2005/8/layout/vList6"/>
+    <dgm:cxn modelId="{7F1C8D1E-B864-4F2C-830F-163B912E297C}" type="presOf" srcId="{61E46DEF-B7FE-4F7B-9AAB-DEBE9E3ABB3B}" destId="{A644B6D2-DF3D-45F1-A878-3D2B4F657EB0}" srcOrd="0" destOrd="0" presId="urn:microsoft.com/office/officeart/2005/8/layout/vList6"/>
+    <dgm:cxn modelId="{A8EBDE26-28FE-41BC-B1C1-EBC50B1BDEA9}" type="presOf" srcId="{93BBF373-3148-46B7-8EF3-E59AC0A199B9}" destId="{B51B40F7-4E25-40B5-A2DF-1A7802C75615}" srcOrd="0" destOrd="1" presId="urn:microsoft.com/office/officeart/2005/8/layout/vList6"/>
+    <dgm:cxn modelId="{5FE6DE68-B404-4DC6-917E-F340229ACAE2}" srcId="{A7DB20BA-9F70-44D9-8D5A-F9B90387476A}" destId="{509509B1-0A88-4084-9EB1-3E3C516DB76D}" srcOrd="1" destOrd="0" parTransId="{783B9B12-C18D-4B4B-9619-3F278D92A1A0}" sibTransId="{83260C65-6C21-4362-85BF-0D5B97855DBE}"/>
+    <dgm:cxn modelId="{83D94E7B-B9E8-4EC4-B19B-588D8C3D1608}" srcId="{C3EE13EC-B821-45A8-AA91-963075875330}" destId="{61E46DEF-B7FE-4F7B-9AAB-DEBE9E3ABB3B}" srcOrd="0" destOrd="0" parTransId="{CA7B0FAE-9BB1-42F0-9863-AF1FA87E6EAC}" sibTransId="{8D4838BA-E07E-469C-A654-0654718C7918}"/>
+    <dgm:cxn modelId="{B3439BC7-ACED-4F90-8B95-BBEB045B5C11}" srcId="{61E46DEF-B7FE-4F7B-9AAB-DEBE9E3ABB3B}" destId="{93BBF373-3148-46B7-8EF3-E59AC0A199B9}" srcOrd="1" destOrd="0" parTransId="{58459C5D-653E-4371-ADCD-5460C55F08EA}" sibTransId="{854A1FA0-618F-4651-8C0A-4BEF51E190D3}"/>
+    <dgm:cxn modelId="{A33307D1-EC07-442C-BFED-D6F283857579}" srcId="{61E46DEF-B7FE-4F7B-9AAB-DEBE9E3ABB3B}" destId="{3F4F1755-616F-4452-9EA2-10348A349AD0}" srcOrd="0" destOrd="0" parTransId="{9CFC8690-6A88-4484-A115-7452E43C7573}" sibTransId="{6C95E9F1-6889-4F3B-A969-6BDDE9C8FD8A}"/>
+    <dgm:cxn modelId="{C7F7B6D4-9DE8-4F84-A9F6-EF26DE08D365}" type="presOf" srcId="{C3EE13EC-B821-45A8-AA91-963075875330}" destId="{CCC8DDDC-FA4E-4C00-BE09-A0755F006CA5}" srcOrd="0" destOrd="0" presId="urn:microsoft.com/office/officeart/2005/8/layout/vList6"/>
+    <dgm:cxn modelId="{C7E3DFE2-D8CE-4859-AC0B-F52FA3B80B0C}" type="presOf" srcId="{509509B1-0A88-4084-9EB1-3E3C516DB76D}" destId="{C388A9E3-3060-4DBE-9ECC-3E4271417FAA}" srcOrd="0" destOrd="1" presId="urn:microsoft.com/office/officeart/2005/8/layout/vList6"/>
+    <dgm:cxn modelId="{8E5DC8E7-09B6-4C20-8E36-C1F765E30AF7}" type="presOf" srcId="{A7DB20BA-9F70-44D9-8D5A-F9B90387476A}" destId="{600AD5DB-8B4F-41C9-BF47-180DE9434FA6}" srcOrd="0" destOrd="0" presId="urn:microsoft.com/office/officeart/2005/8/layout/vList6"/>
+    <dgm:cxn modelId="{490BBDF6-8CD6-4486-A031-57469DB698A4}" srcId="{C3EE13EC-B821-45A8-AA91-963075875330}" destId="{A7DB20BA-9F70-44D9-8D5A-F9B90387476A}" srcOrd="1" destOrd="0" parTransId="{33C1C7E3-D8AA-404C-9078-3FAD0EE1EF4C}" sibTransId="{8B491F6E-82BA-4A3B-AFF0-6C783B88BD2F}"/>
+    <dgm:cxn modelId="{CC3F01FB-9DE9-4B69-AA01-44FDF4EA15C7}" type="presOf" srcId="{3F4F1755-616F-4452-9EA2-10348A349AD0}" destId="{B51B40F7-4E25-40B5-A2DF-1A7802C75615}" srcOrd="0" destOrd="0" presId="urn:microsoft.com/office/officeart/2005/8/layout/vList6"/>
+    <dgm:cxn modelId="{427F9D4F-0B65-4710-991D-B7B8D66D2543}" type="presParOf" srcId="{CCC8DDDC-FA4E-4C00-BE09-A0755F006CA5}" destId="{2868B395-2EFF-4D9F-9DD9-019F51832C51}" srcOrd="0" destOrd="0" presId="urn:microsoft.com/office/officeart/2005/8/layout/vList6"/>
+    <dgm:cxn modelId="{F8C8A90B-B59B-4B8D-9B65-10EA4D8332A8}" type="presParOf" srcId="{2868B395-2EFF-4D9F-9DD9-019F51832C51}" destId="{A644B6D2-DF3D-45F1-A878-3D2B4F657EB0}" srcOrd="0" destOrd="0" presId="urn:microsoft.com/office/officeart/2005/8/layout/vList6"/>
+    <dgm:cxn modelId="{C9C618FD-6A4C-4745-B3C6-E52D510AAA7C}" type="presParOf" srcId="{2868B395-2EFF-4D9F-9DD9-019F51832C51}" destId="{B51B40F7-4E25-40B5-A2DF-1A7802C75615}" srcOrd="1" destOrd="0" presId="urn:microsoft.com/office/officeart/2005/8/layout/vList6"/>
+    <dgm:cxn modelId="{058EF998-4D1C-46B1-BD54-941C36AB6468}" type="presParOf" srcId="{CCC8DDDC-FA4E-4C00-BE09-A0755F006CA5}" destId="{E768C566-1E83-4BBB-81BA-14350F1D509F}" srcOrd="1" destOrd="0" presId="urn:microsoft.com/office/officeart/2005/8/layout/vList6"/>
+    <dgm:cxn modelId="{83085046-F68A-4C8B-B720-643D0DF50F18}" type="presParOf" srcId="{CCC8DDDC-FA4E-4C00-BE09-A0755F006CA5}" destId="{248C4059-0221-4479-BFF1-2EF47024C596}" srcOrd="2" destOrd="0" presId="urn:microsoft.com/office/officeart/2005/8/layout/vList6"/>
+    <dgm:cxn modelId="{3BD987BB-47D1-4EC4-9D69-2751A014EBF2}" type="presParOf" srcId="{248C4059-0221-4479-BFF1-2EF47024C596}" destId="{600AD5DB-8B4F-41C9-BF47-180DE9434FA6}" srcOrd="0" destOrd="0" presId="urn:microsoft.com/office/officeart/2005/8/layout/vList6"/>
+    <dgm:cxn modelId="{06B3A82E-C90B-4302-9C3C-B308489171E9}" type="presParOf" srcId="{248C4059-0221-4479-BFF1-2EF47024C596}" destId="{C388A9E3-3060-4DBE-9ECC-3E4271417FAA}" srcOrd="1" destOrd="0" presId="urn:microsoft.com/office/officeart/2005/8/layout/vList6"/>
+  </dgm:cxnLst>
+  <dgm:bg/>
+  <dgm:whole/>
+  <dgm:extLst>
+    <a:ext uri="http://schemas.microsoft.com/office/drawing/2008/diagram">
+      <dsp:dataModelExt xmlns:dsp="http://schemas.microsoft.com/office/drawing/2008/diagram" relId="rId6" minVer="http://schemas.openxmlformats.org/drawingml/2006/diagram"/>
+    </a:ext>
+  </dgm:extLst>
+</dgm:dataModel>
+</file>
+
+<file path=ppt/diagrams/data4.xml><?xml version="1.0" encoding="utf-8"?>
+<dgm:dataModel xmlns:dgm="http://schemas.openxmlformats.org/drawingml/2006/diagram" xmlns:a="http://schemas.openxmlformats.org/drawingml/2006/main">
+  <dgm:ptLst>
     <dgm:pt modelId="{DEBBB1A4-830B-40B0-93F8-C4D2DFE8B956}" type="doc">
       <dgm:prSet loTypeId="urn:microsoft.com/office/officeart/2005/8/layout/vList3" loCatId="list" qsTypeId="urn:microsoft.com/office/officeart/2005/8/quickstyle/simple1" qsCatId="simple" csTypeId="urn:microsoft.com/office/officeart/2005/8/colors/accent0_2" csCatId="mainScheme" phldr="1"/>
       <dgm:spPr/>
@@ -4219,13 +5284,13 @@
   <dgm:whole/>
   <dgm:extLst>
     <a:ext uri="http://schemas.microsoft.com/office/drawing/2008/diagram">
-      <dsp:dataModelExt xmlns:dsp="http://schemas.microsoft.com/office/drawing/2008/diagram" relId="rId6" minVer="http://schemas.openxmlformats.org/drawingml/2006/diagram"/>
+      <dsp:dataModelExt xmlns:dsp="http://schemas.microsoft.com/office/drawing/2008/diagram" relId="rId11" minVer="http://schemas.openxmlformats.org/drawingml/2006/diagram"/>
     </a:ext>
   </dgm:extLst>
 </dgm:dataModel>
 </file>
 
-<file path=ppt/diagrams/data4.xml><?xml version="1.0" encoding="utf-8"?>
+<file path=ppt/diagrams/data5.xml><?xml version="1.0" encoding="utf-8"?>
 <dgm:dataModel xmlns:dgm="http://schemas.openxmlformats.org/drawingml/2006/diagram" xmlns:a="http://schemas.openxmlformats.org/drawingml/2006/main">
   <dgm:ptLst>
     <dgm:pt modelId="{657C027F-03CA-459C-A990-4296652D9A48}" type="doc">
@@ -5176,6 +6241,376 @@
       <dsp:cNvGrpSpPr/>
     </dsp:nvGrpSpPr>
     <dsp:grpSpPr/>
+    <dsp:sp modelId="{B51B40F7-4E25-40B5-A2DF-1A7802C75615}">
+      <dsp:nvSpPr>
+        <dsp:cNvPr id="0" name=""/>
+        <dsp:cNvSpPr/>
+      </dsp:nvSpPr>
+      <dsp:spPr>
+        <a:xfrm>
+          <a:off x="1554480" y="306"/>
+          <a:ext cx="2331720" cy="1197136"/>
+        </a:xfrm>
+        <a:prstGeom prst="rightArrow">
+          <a:avLst>
+            <a:gd name="adj1" fmla="val 75000"/>
+            <a:gd name="adj2" fmla="val 50000"/>
+          </a:avLst>
+        </a:prstGeom>
+        <a:solidFill>
+          <a:schemeClr val="accent1">
+            <a:alpha val="90000"/>
+            <a:tint val="40000"/>
+            <a:hueOff val="0"/>
+            <a:satOff val="0"/>
+            <a:lumOff val="0"/>
+            <a:alphaOff val="0"/>
+          </a:schemeClr>
+        </a:solidFill>
+        <a:ln w="12700" cap="flat" cmpd="sng" algn="ctr">
+          <a:solidFill>
+            <a:schemeClr val="accent1">
+              <a:alpha val="90000"/>
+              <a:tint val="40000"/>
+              <a:hueOff val="0"/>
+              <a:satOff val="0"/>
+              <a:lumOff val="0"/>
+              <a:alphaOff val="0"/>
+            </a:schemeClr>
+          </a:solidFill>
+          <a:prstDash val="solid"/>
+          <a:miter lim="800000"/>
+        </a:ln>
+        <a:effectLst/>
+      </dsp:spPr>
+      <dsp:style>
+        <a:lnRef idx="2">
+          <a:scrgbClr r="0" g="0" b="0"/>
+        </a:lnRef>
+        <a:fillRef idx="1">
+          <a:scrgbClr r="0" g="0" b="0"/>
+        </a:fillRef>
+        <a:effectRef idx="0">
+          <a:scrgbClr r="0" g="0" b="0"/>
+        </a:effectRef>
+        <a:fontRef idx="minor"/>
+      </dsp:style>
+      <dsp:txBody>
+        <a:bodyPr spcFirstLastPara="0" vert="horz" wrap="square" lIns="11430" tIns="11430" rIns="11430" bIns="11430" numCol="1" spcCol="1270" anchor="t" anchorCtr="0">
+          <a:noAutofit/>
+        </a:bodyPr>
+        <a:lstStyle/>
+        <a:p>
+          <a:pPr marL="171450" lvl="1" indent="-171450" algn="l" defTabSz="800100">
+            <a:lnSpc>
+              <a:spcPct val="90000"/>
+            </a:lnSpc>
+            <a:spcBef>
+              <a:spcPct val="0"/>
+            </a:spcBef>
+            <a:spcAft>
+              <a:spcPct val="15000"/>
+            </a:spcAft>
+            <a:buChar char="•"/>
+          </a:pPr>
+          <a:r>
+            <a:rPr lang="en-US" sz="1800" kern="1200" dirty="0"/>
+            <a:t>Camera with ISP</a:t>
+          </a:r>
+        </a:p>
+        <a:p>
+          <a:pPr marL="171450" lvl="1" indent="-171450" algn="l" defTabSz="800100">
+            <a:lnSpc>
+              <a:spcPct val="90000"/>
+            </a:lnSpc>
+            <a:spcBef>
+              <a:spcPct val="0"/>
+            </a:spcBef>
+            <a:spcAft>
+              <a:spcPct val="15000"/>
+            </a:spcAft>
+            <a:buChar char="•"/>
+          </a:pPr>
+          <a:r>
+            <a:rPr lang="en-US" sz="1800" kern="1200" dirty="0"/>
+            <a:t>An automobile to mount camera on</a:t>
+          </a:r>
+        </a:p>
+      </dsp:txBody>
+      <dsp:txXfrm>
+        <a:off x="1554480" y="149948"/>
+        <a:ext cx="1882794" cy="897852"/>
+      </dsp:txXfrm>
+    </dsp:sp>
+    <dsp:sp modelId="{A644B6D2-DF3D-45F1-A878-3D2B4F657EB0}">
+      <dsp:nvSpPr>
+        <dsp:cNvPr id="0" name=""/>
+        <dsp:cNvSpPr/>
+      </dsp:nvSpPr>
+      <dsp:spPr>
+        <a:xfrm>
+          <a:off x="0" y="306"/>
+          <a:ext cx="1554480" cy="1197136"/>
+        </a:xfrm>
+        <a:prstGeom prst="roundRect">
+          <a:avLst/>
+        </a:prstGeom>
+        <a:solidFill>
+          <a:schemeClr val="accent1">
+            <a:hueOff val="0"/>
+            <a:satOff val="0"/>
+            <a:lumOff val="0"/>
+            <a:alphaOff val="0"/>
+          </a:schemeClr>
+        </a:solidFill>
+        <a:ln w="12700" cap="flat" cmpd="sng" algn="ctr">
+          <a:solidFill>
+            <a:schemeClr val="lt1">
+              <a:hueOff val="0"/>
+              <a:satOff val="0"/>
+              <a:lumOff val="0"/>
+              <a:alphaOff val="0"/>
+            </a:schemeClr>
+          </a:solidFill>
+          <a:prstDash val="solid"/>
+          <a:miter lim="800000"/>
+        </a:ln>
+        <a:effectLst/>
+      </dsp:spPr>
+      <dsp:style>
+        <a:lnRef idx="2">
+          <a:scrgbClr r="0" g="0" b="0"/>
+        </a:lnRef>
+        <a:fillRef idx="1">
+          <a:scrgbClr r="0" g="0" b="0"/>
+        </a:fillRef>
+        <a:effectRef idx="0">
+          <a:scrgbClr r="0" g="0" b="0"/>
+        </a:effectRef>
+        <a:fontRef idx="minor">
+          <a:schemeClr val="lt1"/>
+        </a:fontRef>
+      </dsp:style>
+      <dsp:txBody>
+        <a:bodyPr spcFirstLastPara="0" vert="horz" wrap="square" lIns="91440" tIns="45720" rIns="91440" bIns="45720" numCol="1" spcCol="1270" anchor="ctr" anchorCtr="0">
+          <a:noAutofit/>
+        </a:bodyPr>
+        <a:lstStyle/>
+        <a:p>
+          <a:pPr marL="0" lvl="0" indent="0" algn="ctr" defTabSz="1066800">
+            <a:lnSpc>
+              <a:spcPct val="90000"/>
+            </a:lnSpc>
+            <a:spcBef>
+              <a:spcPct val="0"/>
+            </a:spcBef>
+            <a:spcAft>
+              <a:spcPct val="35000"/>
+            </a:spcAft>
+            <a:buNone/>
+          </a:pPr>
+          <a:r>
+            <a:rPr lang="en-US" sz="2400" kern="1200" dirty="0"/>
+            <a:t>Capturing</a:t>
+          </a:r>
+        </a:p>
+      </dsp:txBody>
+      <dsp:txXfrm>
+        <a:off x="58439" y="58745"/>
+        <a:ext cx="1437602" cy="1080258"/>
+      </dsp:txXfrm>
+    </dsp:sp>
+    <dsp:sp modelId="{C388A9E3-3060-4DBE-9ECC-3E4271417FAA}">
+      <dsp:nvSpPr>
+        <dsp:cNvPr id="0" name=""/>
+        <dsp:cNvSpPr/>
+      </dsp:nvSpPr>
+      <dsp:spPr>
+        <a:xfrm>
+          <a:off x="1554480" y="1317156"/>
+          <a:ext cx="2331720" cy="1197136"/>
+        </a:xfrm>
+        <a:prstGeom prst="rightArrow">
+          <a:avLst>
+            <a:gd name="adj1" fmla="val 75000"/>
+            <a:gd name="adj2" fmla="val 50000"/>
+          </a:avLst>
+        </a:prstGeom>
+        <a:solidFill>
+          <a:schemeClr val="accent1">
+            <a:alpha val="90000"/>
+            <a:tint val="40000"/>
+            <a:hueOff val="0"/>
+            <a:satOff val="0"/>
+            <a:lumOff val="0"/>
+            <a:alphaOff val="0"/>
+          </a:schemeClr>
+        </a:solidFill>
+        <a:ln w="12700" cap="flat" cmpd="sng" algn="ctr">
+          <a:solidFill>
+            <a:schemeClr val="accent1">
+              <a:alpha val="90000"/>
+              <a:tint val="40000"/>
+              <a:hueOff val="0"/>
+              <a:satOff val="0"/>
+              <a:lumOff val="0"/>
+              <a:alphaOff val="0"/>
+            </a:schemeClr>
+          </a:solidFill>
+          <a:prstDash val="solid"/>
+          <a:miter lim="800000"/>
+        </a:ln>
+        <a:effectLst/>
+      </dsp:spPr>
+      <dsp:style>
+        <a:lnRef idx="2">
+          <a:scrgbClr r="0" g="0" b="0"/>
+        </a:lnRef>
+        <a:fillRef idx="1">
+          <a:scrgbClr r="0" g="0" b="0"/>
+        </a:fillRef>
+        <a:effectRef idx="0">
+          <a:scrgbClr r="0" g="0" b="0"/>
+        </a:effectRef>
+        <a:fontRef idx="minor"/>
+      </dsp:style>
+      <dsp:txBody>
+        <a:bodyPr spcFirstLastPara="0" vert="horz" wrap="square" lIns="11430" tIns="11430" rIns="11430" bIns="11430" numCol="1" spcCol="1270" anchor="t" anchorCtr="0">
+          <a:noAutofit/>
+        </a:bodyPr>
+        <a:lstStyle/>
+        <a:p>
+          <a:pPr marL="171450" lvl="1" indent="-171450" algn="l" defTabSz="800100">
+            <a:lnSpc>
+              <a:spcPct val="90000"/>
+            </a:lnSpc>
+            <a:spcBef>
+              <a:spcPct val="0"/>
+            </a:spcBef>
+            <a:spcAft>
+              <a:spcPct val="15000"/>
+            </a:spcAft>
+            <a:buChar char="•"/>
+          </a:pPr>
+          <a:r>
+            <a:rPr lang="en-US" sz="1800" kern="1200" dirty="0"/>
+            <a:t>[CPU speed]</a:t>
+          </a:r>
+        </a:p>
+        <a:p>
+          <a:pPr marL="171450" lvl="1" indent="-171450" algn="l" defTabSz="800100">
+            <a:lnSpc>
+              <a:spcPct val="90000"/>
+            </a:lnSpc>
+            <a:spcBef>
+              <a:spcPct val="0"/>
+            </a:spcBef>
+            <a:spcAft>
+              <a:spcPct val="15000"/>
+            </a:spcAft>
+            <a:buChar char="•"/>
+          </a:pPr>
+          <a:r>
+            <a:rPr lang="en-US" sz="1800" kern="1200" dirty="0"/>
+            <a:t>[Other requirement]</a:t>
+          </a:r>
+        </a:p>
+      </dsp:txBody>
+      <dsp:txXfrm>
+        <a:off x="1554480" y="1466798"/>
+        <a:ext cx="1882794" cy="897852"/>
+      </dsp:txXfrm>
+    </dsp:sp>
+    <dsp:sp modelId="{600AD5DB-8B4F-41C9-BF47-180DE9434FA6}">
+      <dsp:nvSpPr>
+        <dsp:cNvPr id="0" name=""/>
+        <dsp:cNvSpPr/>
+      </dsp:nvSpPr>
+      <dsp:spPr>
+        <a:xfrm>
+          <a:off x="0" y="1317156"/>
+          <a:ext cx="1554480" cy="1197136"/>
+        </a:xfrm>
+        <a:prstGeom prst="roundRect">
+          <a:avLst/>
+        </a:prstGeom>
+        <a:solidFill>
+          <a:schemeClr val="accent1">
+            <a:hueOff val="0"/>
+            <a:satOff val="0"/>
+            <a:lumOff val="0"/>
+            <a:alphaOff val="0"/>
+          </a:schemeClr>
+        </a:solidFill>
+        <a:ln w="12700" cap="flat" cmpd="sng" algn="ctr">
+          <a:solidFill>
+            <a:schemeClr val="lt1">
+              <a:hueOff val="0"/>
+              <a:satOff val="0"/>
+              <a:lumOff val="0"/>
+              <a:alphaOff val="0"/>
+            </a:schemeClr>
+          </a:solidFill>
+          <a:prstDash val="solid"/>
+          <a:miter lim="800000"/>
+        </a:ln>
+        <a:effectLst/>
+      </dsp:spPr>
+      <dsp:style>
+        <a:lnRef idx="2">
+          <a:scrgbClr r="0" g="0" b="0"/>
+        </a:lnRef>
+        <a:fillRef idx="1">
+          <a:scrgbClr r="0" g="0" b="0"/>
+        </a:fillRef>
+        <a:effectRef idx="0">
+          <a:scrgbClr r="0" g="0" b="0"/>
+        </a:effectRef>
+        <a:fontRef idx="minor">
+          <a:schemeClr val="lt1"/>
+        </a:fontRef>
+      </dsp:style>
+      <dsp:txBody>
+        <a:bodyPr spcFirstLastPara="0" vert="horz" wrap="square" lIns="91440" tIns="45720" rIns="91440" bIns="45720" numCol="1" spcCol="1270" anchor="ctr" anchorCtr="0">
+          <a:noAutofit/>
+        </a:bodyPr>
+        <a:lstStyle/>
+        <a:p>
+          <a:pPr marL="0" lvl="0" indent="0" algn="ctr" defTabSz="1066800">
+            <a:lnSpc>
+              <a:spcPct val="90000"/>
+            </a:lnSpc>
+            <a:spcBef>
+              <a:spcPct val="0"/>
+            </a:spcBef>
+            <a:spcAft>
+              <a:spcPct val="35000"/>
+            </a:spcAft>
+            <a:buNone/>
+          </a:pPr>
+          <a:r>
+            <a:rPr lang="en-US" sz="2400" kern="1200" dirty="0"/>
+            <a:t>Processing</a:t>
+          </a:r>
+        </a:p>
+      </dsp:txBody>
+      <dsp:txXfrm>
+        <a:off x="58439" y="1375595"/>
+        <a:ext cx="1437602" cy="1080258"/>
+      </dsp:txXfrm>
+    </dsp:sp>
+  </dsp:spTree>
+</dsp:drawing>
+</file>
+
+<file path=ppt/diagrams/drawing4.xml><?xml version="1.0" encoding="utf-8"?>
+<dsp:drawing xmlns:dgm="http://schemas.openxmlformats.org/drawingml/2006/diagram" xmlns:dsp="http://schemas.microsoft.com/office/drawing/2008/diagram" xmlns:a="http://schemas.openxmlformats.org/drawingml/2006/main">
+  <dsp:spTree>
+    <dsp:nvGrpSpPr>
+      <dsp:cNvPr id="0" name=""/>
+      <dsp:cNvGrpSpPr/>
+    </dsp:nvGrpSpPr>
+    <dsp:grpSpPr/>
     <dsp:sp modelId="{BA5314CE-0C55-4B8F-B85B-AC440119A54B}">
       <dsp:nvSpPr>
         <dsp:cNvPr id="0" name=""/>
@@ -5877,7 +7312,7 @@
 </dsp:drawing>
 </file>
 
-<file path=ppt/diagrams/drawing4.xml><?xml version="1.0" encoding="utf-8"?>
+<file path=ppt/diagrams/drawing5.xml><?xml version="1.0" encoding="utf-8"?>
 <dsp:drawing xmlns:dgm="http://schemas.openxmlformats.org/drawingml/2006/diagram" xmlns:dsp="http://schemas.microsoft.com/office/drawing/2008/diagram" xmlns:a="http://schemas.openxmlformats.org/drawingml/2006/main">
   <dsp:spTree>
     <dsp:nvGrpSpPr>
@@ -7033,6 +8468,212 @@
 </file>
 
 <file path=ppt/diagrams/layout3.xml><?xml version="1.0" encoding="utf-8"?>
+<dgm:layoutDef xmlns:dgm="http://schemas.openxmlformats.org/drawingml/2006/diagram" xmlns:a="http://schemas.openxmlformats.org/drawingml/2006/main" uniqueId="urn:microsoft.com/office/officeart/2005/8/layout/vList6">
+  <dgm:title val=""/>
+  <dgm:desc val=""/>
+  <dgm:catLst>
+    <dgm:cat type="process" pri="22000"/>
+    <dgm:cat type="list" pri="17000"/>
+  </dgm:catLst>
+  <dgm:sampData>
+    <dgm:dataModel>
+      <dgm:ptLst>
+        <dgm:pt modelId="0" type="doc"/>
+        <dgm:pt modelId="1">
+          <dgm:prSet phldr="1"/>
+        </dgm:pt>
+        <dgm:pt modelId="11">
+          <dgm:prSet phldr="1"/>
+        </dgm:pt>
+        <dgm:pt modelId="12">
+          <dgm:prSet phldr="1"/>
+        </dgm:pt>
+        <dgm:pt modelId="2">
+          <dgm:prSet phldr="1"/>
+        </dgm:pt>
+        <dgm:pt modelId="21">
+          <dgm:prSet phldr="1"/>
+        </dgm:pt>
+        <dgm:pt modelId="22">
+          <dgm:prSet phldr="1"/>
+        </dgm:pt>
+      </dgm:ptLst>
+      <dgm:cxnLst>
+        <dgm:cxn modelId="4" srcId="0" destId="1" srcOrd="0" destOrd="0"/>
+        <dgm:cxn modelId="5" srcId="0" destId="2" srcOrd="1" destOrd="0"/>
+        <dgm:cxn modelId="13" srcId="1" destId="11" srcOrd="0" destOrd="0"/>
+        <dgm:cxn modelId="14" srcId="1" destId="12" srcOrd="0" destOrd="0"/>
+        <dgm:cxn modelId="23" srcId="2" destId="21" srcOrd="0" destOrd="0"/>
+        <dgm:cxn modelId="24" srcId="2" destId="22" srcOrd="0" destOrd="0"/>
+      </dgm:cxnLst>
+      <dgm:bg/>
+      <dgm:whole/>
+    </dgm:dataModel>
+  </dgm:sampData>
+  <dgm:styleData>
+    <dgm:dataModel>
+      <dgm:ptLst>
+        <dgm:pt modelId="0" type="doc"/>
+        <dgm:pt modelId="1"/>
+        <dgm:pt modelId="2"/>
+      </dgm:ptLst>
+      <dgm:cxnLst>
+        <dgm:cxn modelId="3" srcId="0" destId="1" srcOrd="0" destOrd="0"/>
+        <dgm:cxn modelId="4" srcId="0" destId="2" srcOrd="1" destOrd="0"/>
+      </dgm:cxnLst>
+      <dgm:bg/>
+      <dgm:whole/>
+    </dgm:dataModel>
+  </dgm:styleData>
+  <dgm:clrData>
+    <dgm:dataModel>
+      <dgm:ptLst>
+        <dgm:pt modelId="0" type="doc"/>
+        <dgm:pt modelId="1"/>
+        <dgm:pt modelId="2"/>
+        <dgm:pt modelId="3"/>
+        <dgm:pt modelId="4"/>
+      </dgm:ptLst>
+      <dgm:cxnLst>
+        <dgm:cxn modelId="5" srcId="0" destId="1" srcOrd="0" destOrd="0"/>
+        <dgm:cxn modelId="6" srcId="0" destId="2" srcOrd="1" destOrd="0"/>
+        <dgm:cxn modelId="7" srcId="0" destId="3" srcOrd="2" destOrd="0"/>
+        <dgm:cxn modelId="8" srcId="0" destId="4" srcOrd="3" destOrd="0"/>
+      </dgm:cxnLst>
+      <dgm:bg/>
+      <dgm:whole/>
+    </dgm:dataModel>
+  </dgm:clrData>
+  <dgm:layoutNode name="Name0">
+    <dgm:varLst>
+      <dgm:dir/>
+      <dgm:animLvl val="lvl"/>
+      <dgm:resizeHandles/>
+    </dgm:varLst>
+    <dgm:alg type="lin">
+      <dgm:param type="linDir" val="fromT"/>
+    </dgm:alg>
+    <dgm:shape xmlns:r="http://schemas.openxmlformats.org/officeDocument/2006/relationships" r:blip="">
+      <dgm:adjLst/>
+    </dgm:shape>
+    <dgm:presOf/>
+    <dgm:constrLst>
+      <dgm:constr type="w" for="ch" forName="linNode" refType="w"/>
+      <dgm:constr type="h" for="ch" forName="linNode" refType="h"/>
+      <dgm:constr type="h" for="ch" forName="spacing" refType="h" refFor="ch" refForName="linNode" fact="0.1"/>
+      <dgm:constr type="primFontSz" for="des" forName="parentShp" op="equ" val="65"/>
+      <dgm:constr type="primFontSz" for="des" forName="childShp" op="equ" val="65"/>
+    </dgm:constrLst>
+    <dgm:ruleLst/>
+    <dgm:forEach name="Name1" axis="ch" ptType="node">
+      <dgm:layoutNode name="linNode">
+        <dgm:choose name="Name2">
+          <dgm:if name="Name3" func="var" arg="dir" op="equ" val="norm">
+            <dgm:alg type="lin">
+              <dgm:param type="linDir" val="fromL"/>
+            </dgm:alg>
+          </dgm:if>
+          <dgm:else name="Name4">
+            <dgm:alg type="lin">
+              <dgm:param type="linDir" val="fromR"/>
+            </dgm:alg>
+          </dgm:else>
+        </dgm:choose>
+        <dgm:shape xmlns:r="http://schemas.openxmlformats.org/officeDocument/2006/relationships" r:blip="">
+          <dgm:adjLst/>
+        </dgm:shape>
+        <dgm:presOf/>
+        <dgm:choose name="Name5">
+          <dgm:if name="Name6" func="var" arg="dir" op="equ" val="norm">
+            <dgm:constrLst>
+              <dgm:constr type="w" for="ch" forName="parentShp" refType="w" fact="0.4"/>
+              <dgm:constr type="h" for="ch" forName="parentShp" refType="h"/>
+              <dgm:constr type="w" for="ch" forName="childShp" refType="w" fact="0.6"/>
+              <dgm:constr type="h" for="ch" forName="childShp" refType="h" refFor="ch" refForName="parentShp"/>
+            </dgm:constrLst>
+          </dgm:if>
+          <dgm:else name="Name7">
+            <dgm:constrLst>
+              <dgm:constr type="w" for="ch" forName="parentShp" refType="w" fact="0.4"/>
+              <dgm:constr type="h" for="ch" forName="parentShp" refType="h"/>
+              <dgm:constr type="w" for="ch" forName="childShp" refType="w" fact="0.6"/>
+              <dgm:constr type="h" for="ch" forName="childShp" refType="h" refFor="ch" refForName="parentShp"/>
+            </dgm:constrLst>
+          </dgm:else>
+        </dgm:choose>
+        <dgm:ruleLst/>
+        <dgm:layoutNode name="parentShp" styleLbl="node1">
+          <dgm:varLst>
+            <dgm:bulletEnabled val="1"/>
+          </dgm:varLst>
+          <dgm:alg type="tx"/>
+          <dgm:shape xmlns:r="http://schemas.openxmlformats.org/officeDocument/2006/relationships" type="roundRect" r:blip="">
+            <dgm:adjLst/>
+          </dgm:shape>
+          <dgm:presOf axis="self" ptType="node"/>
+          <dgm:constrLst>
+            <dgm:constr type="tMarg" refType="primFontSz" fact="0.15"/>
+            <dgm:constr type="bMarg" refType="primFontSz" fact="0.15"/>
+            <dgm:constr type="lMarg" refType="primFontSz" fact="0.3"/>
+            <dgm:constr type="rMarg" refType="primFontSz" fact="0.3"/>
+          </dgm:constrLst>
+          <dgm:ruleLst>
+            <dgm:rule type="primFontSz" val="5" fact="NaN" max="NaN"/>
+          </dgm:ruleLst>
+        </dgm:layoutNode>
+        <dgm:layoutNode name="childShp" styleLbl="bgAccFollowNode1">
+          <dgm:varLst>
+            <dgm:bulletEnabled val="1"/>
+          </dgm:varLst>
+          <dgm:alg type="tx">
+            <dgm:param type="stBulletLvl" val="1"/>
+          </dgm:alg>
+          <dgm:choose name="Name8">
+            <dgm:if name="Name9" func="var" arg="dir" op="equ" val="norm">
+              <dgm:shape xmlns:r="http://schemas.openxmlformats.org/officeDocument/2006/relationships" type="rightArrow" r:blip="" zOrderOff="-2">
+                <dgm:adjLst>
+                  <dgm:adj idx="1" val="0.75"/>
+                </dgm:adjLst>
+              </dgm:shape>
+            </dgm:if>
+            <dgm:else name="Name10">
+              <dgm:shape xmlns:r="http://schemas.openxmlformats.org/officeDocument/2006/relationships" rot="180" type="rightArrow" r:blip="" zOrderOff="-2">
+                <dgm:adjLst>
+                  <dgm:adj idx="1" val="0.75"/>
+                </dgm:adjLst>
+              </dgm:shape>
+            </dgm:else>
+          </dgm:choose>
+          <dgm:presOf axis="des" ptType="node"/>
+          <dgm:constrLst>
+            <dgm:constr type="secFontSz" refType="primFontSz"/>
+            <dgm:constr type="tMarg" refType="primFontSz" fact="0.05"/>
+            <dgm:constr type="bMarg" refType="primFontSz" fact="0.05"/>
+            <dgm:constr type="lMarg" refType="primFontSz" fact="0.05"/>
+            <dgm:constr type="rMarg" refType="primFontSz" fact="0.05"/>
+          </dgm:constrLst>
+          <dgm:ruleLst>
+            <dgm:rule type="primFontSz" val="5" fact="NaN" max="NaN"/>
+          </dgm:ruleLst>
+        </dgm:layoutNode>
+      </dgm:layoutNode>
+      <dgm:forEach name="Name11" axis="followSib" ptType="sibTrans" cnt="1">
+        <dgm:layoutNode name="spacing">
+          <dgm:alg type="sp"/>
+          <dgm:shape xmlns:r="http://schemas.openxmlformats.org/officeDocument/2006/relationships" r:blip="">
+            <dgm:adjLst/>
+          </dgm:shape>
+          <dgm:presOf/>
+          <dgm:constrLst/>
+          <dgm:ruleLst/>
+        </dgm:layoutNode>
+      </dgm:forEach>
+    </dgm:forEach>
+  </dgm:layoutNode>
+</dgm:layoutDef>
+</file>
+
+<file path=ppt/diagrams/layout4.xml><?xml version="1.0" encoding="utf-8"?>
 <dgm:layoutDef xmlns:dgm="http://schemas.openxmlformats.org/drawingml/2006/diagram" xmlns:a="http://schemas.openxmlformats.org/drawingml/2006/main" uniqueId="urn:microsoft.com/office/officeart/2005/8/layout/vList3">
   <dgm:title val=""/>
   <dgm:desc val=""/>
@@ -7195,7 +8836,7 @@
 </dgm:layoutDef>
 </file>
 
-<file path=ppt/diagrams/layout4.xml><?xml version="1.0" encoding="utf-8"?>
+<file path=ppt/diagrams/layout5.xml><?xml version="1.0" encoding="utf-8"?>
 <dgm:layoutDef xmlns:dgm="http://schemas.openxmlformats.org/drawingml/2006/diagram" xmlns:a="http://schemas.openxmlformats.org/drawingml/2006/main" uniqueId="urn:microsoft.com/office/officeart/2009/3/layout/DescendingProcess">
   <dgm:title val=""/>
   <dgm:desc val=""/>
@@ -12011,6 +13652,1040 @@
 </dgm:styleDef>
 </file>
 
+<file path=ppt/diagrams/quickStyle5.xml><?xml version="1.0" encoding="utf-8"?>
+<dgm:styleDef xmlns:dgm="http://schemas.openxmlformats.org/drawingml/2006/diagram" xmlns:a="http://schemas.openxmlformats.org/drawingml/2006/main" uniqueId="urn:microsoft.com/office/officeart/2005/8/quickstyle/simple1">
+  <dgm:title val=""/>
+  <dgm:desc val=""/>
+  <dgm:catLst>
+    <dgm:cat type="simple" pri="10100"/>
+  </dgm:catLst>
+  <dgm:scene3d>
+    <a:camera prst="orthographicFront"/>
+    <a:lightRig rig="threePt" dir="t"/>
+  </dgm:scene3d>
+  <dgm:styleLbl name="node0">
+    <dgm:scene3d>
+      <a:camera prst="orthographicFront"/>
+      <a:lightRig rig="threePt" dir="t"/>
+    </dgm:scene3d>
+    <dgm:sp3d/>
+    <dgm:txPr/>
+    <dgm:style>
+      <a:lnRef idx="2">
+        <a:scrgbClr r="0" g="0" b="0"/>
+      </a:lnRef>
+      <a:fillRef idx="1">
+        <a:scrgbClr r="0" g="0" b="0"/>
+      </a:fillRef>
+      <a:effectRef idx="0">
+        <a:scrgbClr r="0" g="0" b="0"/>
+      </a:effectRef>
+      <a:fontRef idx="minor">
+        <a:schemeClr val="lt1"/>
+      </a:fontRef>
+    </dgm:style>
+  </dgm:styleLbl>
+  <dgm:styleLbl name="lnNode1">
+    <dgm:scene3d>
+      <a:camera prst="orthographicFront"/>
+      <a:lightRig rig="threePt" dir="t"/>
+    </dgm:scene3d>
+    <dgm:sp3d/>
+    <dgm:txPr/>
+    <dgm:style>
+      <a:lnRef idx="2">
+        <a:scrgbClr r="0" g="0" b="0"/>
+      </a:lnRef>
+      <a:fillRef idx="1">
+        <a:scrgbClr r="0" g="0" b="0"/>
+      </a:fillRef>
+      <a:effectRef idx="0">
+        <a:scrgbClr r="0" g="0" b="0"/>
+      </a:effectRef>
+      <a:fontRef idx="minor">
+        <a:schemeClr val="lt1"/>
+      </a:fontRef>
+    </dgm:style>
+  </dgm:styleLbl>
+  <dgm:styleLbl name="vennNode1">
+    <dgm:scene3d>
+      <a:camera prst="orthographicFront"/>
+      <a:lightRig rig="threePt" dir="t"/>
+    </dgm:scene3d>
+    <dgm:sp3d/>
+    <dgm:txPr/>
+    <dgm:style>
+      <a:lnRef idx="2">
+        <a:scrgbClr r="0" g="0" b="0"/>
+      </a:lnRef>
+      <a:fillRef idx="1">
+        <a:scrgbClr r="0" g="0" b="0"/>
+      </a:fillRef>
+      <a:effectRef idx="0">
+        <a:scrgbClr r="0" g="0" b="0"/>
+      </a:effectRef>
+      <a:fontRef idx="minor">
+        <a:schemeClr val="tx1"/>
+      </a:fontRef>
+    </dgm:style>
+  </dgm:styleLbl>
+  <dgm:styleLbl name="alignNode1">
+    <dgm:scene3d>
+      <a:camera prst="orthographicFront"/>
+      <a:lightRig rig="threePt" dir="t"/>
+    </dgm:scene3d>
+    <dgm:sp3d/>
+    <dgm:txPr/>
+    <dgm:style>
+      <a:lnRef idx="2">
+        <a:scrgbClr r="0" g="0" b="0"/>
+      </a:lnRef>
+      <a:fillRef idx="1">
+        <a:scrgbClr r="0" g="0" b="0"/>
+      </a:fillRef>
+      <a:effectRef idx="0">
+        <a:scrgbClr r="0" g="0" b="0"/>
+      </a:effectRef>
+      <a:fontRef idx="minor">
+        <a:schemeClr val="lt1"/>
+      </a:fontRef>
+    </dgm:style>
+  </dgm:styleLbl>
+  <dgm:styleLbl name="node1">
+    <dgm:scene3d>
+      <a:camera prst="orthographicFront"/>
+      <a:lightRig rig="threePt" dir="t"/>
+    </dgm:scene3d>
+    <dgm:sp3d/>
+    <dgm:txPr/>
+    <dgm:style>
+      <a:lnRef idx="2">
+        <a:scrgbClr r="0" g="0" b="0"/>
+      </a:lnRef>
+      <a:fillRef idx="1">
+        <a:scrgbClr r="0" g="0" b="0"/>
+      </a:fillRef>
+      <a:effectRef idx="0">
+        <a:scrgbClr r="0" g="0" b="0"/>
+      </a:effectRef>
+      <a:fontRef idx="minor">
+        <a:schemeClr val="lt1"/>
+      </a:fontRef>
+    </dgm:style>
+  </dgm:styleLbl>
+  <dgm:styleLbl name="node2">
+    <dgm:scene3d>
+      <a:camera prst="orthographicFront"/>
+      <a:lightRig rig="threePt" dir="t"/>
+    </dgm:scene3d>
+    <dgm:sp3d/>
+    <dgm:txPr/>
+    <dgm:style>
+      <a:lnRef idx="2">
+        <a:scrgbClr r="0" g="0" b="0"/>
+      </a:lnRef>
+      <a:fillRef idx="1">
+        <a:scrgbClr r="0" g="0" b="0"/>
+      </a:fillRef>
+      <a:effectRef idx="0">
+        <a:scrgbClr r="0" g="0" b="0"/>
+      </a:effectRef>
+      <a:fontRef idx="minor">
+        <a:schemeClr val="lt1"/>
+      </a:fontRef>
+    </dgm:style>
+  </dgm:styleLbl>
+  <dgm:styleLbl name="node3">
+    <dgm:scene3d>
+      <a:camera prst="orthographicFront"/>
+      <a:lightRig rig="threePt" dir="t"/>
+    </dgm:scene3d>
+    <dgm:sp3d/>
+    <dgm:txPr/>
+    <dgm:style>
+      <a:lnRef idx="2">
+        <a:scrgbClr r="0" g="0" b="0"/>
+      </a:lnRef>
+      <a:fillRef idx="1">
+        <a:scrgbClr r="0" g="0" b="0"/>
+      </a:fillRef>
+      <a:effectRef idx="0">
+        <a:scrgbClr r="0" g="0" b="0"/>
+      </a:effectRef>
+      <a:fontRef idx="minor">
+        <a:schemeClr val="lt1"/>
+      </a:fontRef>
+    </dgm:style>
+  </dgm:styleLbl>
+  <dgm:styleLbl name="node4">
+    <dgm:scene3d>
+      <a:camera prst="orthographicFront"/>
+      <a:lightRig rig="threePt" dir="t"/>
+    </dgm:scene3d>
+    <dgm:sp3d/>
+    <dgm:txPr/>
+    <dgm:style>
+      <a:lnRef idx="2">
+        <a:scrgbClr r="0" g="0" b="0"/>
+      </a:lnRef>
+      <a:fillRef idx="1">
+        <a:scrgbClr r="0" g="0" b="0"/>
+      </a:fillRef>
+      <a:effectRef idx="0">
+        <a:scrgbClr r="0" g="0" b="0"/>
+      </a:effectRef>
+      <a:fontRef idx="minor">
+        <a:schemeClr val="lt1"/>
+      </a:fontRef>
+    </dgm:style>
+  </dgm:styleLbl>
+  <dgm:styleLbl name="fgImgPlace1">
+    <dgm:scene3d>
+      <a:camera prst="orthographicFront"/>
+      <a:lightRig rig="threePt" dir="t"/>
+    </dgm:scene3d>
+    <dgm:sp3d/>
+    <dgm:txPr/>
+    <dgm:style>
+      <a:lnRef idx="2">
+        <a:scrgbClr r="0" g="0" b="0"/>
+      </a:lnRef>
+      <a:fillRef idx="1">
+        <a:scrgbClr r="0" g="0" b="0"/>
+      </a:fillRef>
+      <a:effectRef idx="0">
+        <a:scrgbClr r="0" g="0" b="0"/>
+      </a:effectRef>
+      <a:fontRef idx="minor"/>
+    </dgm:style>
+  </dgm:styleLbl>
+  <dgm:styleLbl name="alignImgPlace1">
+    <dgm:scene3d>
+      <a:camera prst="orthographicFront"/>
+      <a:lightRig rig="threePt" dir="t"/>
+    </dgm:scene3d>
+    <dgm:sp3d/>
+    <dgm:txPr/>
+    <dgm:style>
+      <a:lnRef idx="2">
+        <a:scrgbClr r="0" g="0" b="0"/>
+      </a:lnRef>
+      <a:fillRef idx="1">
+        <a:scrgbClr r="0" g="0" b="0"/>
+      </a:fillRef>
+      <a:effectRef idx="0">
+        <a:scrgbClr r="0" g="0" b="0"/>
+      </a:effectRef>
+      <a:fontRef idx="minor"/>
+    </dgm:style>
+  </dgm:styleLbl>
+  <dgm:styleLbl name="bgImgPlace1">
+    <dgm:scene3d>
+      <a:camera prst="orthographicFront"/>
+      <a:lightRig rig="threePt" dir="t"/>
+    </dgm:scene3d>
+    <dgm:sp3d/>
+    <dgm:txPr/>
+    <dgm:style>
+      <a:lnRef idx="2">
+        <a:scrgbClr r="0" g="0" b="0"/>
+      </a:lnRef>
+      <a:fillRef idx="1">
+        <a:scrgbClr r="0" g="0" b="0"/>
+      </a:fillRef>
+      <a:effectRef idx="0">
+        <a:scrgbClr r="0" g="0" b="0"/>
+      </a:effectRef>
+      <a:fontRef idx="minor"/>
+    </dgm:style>
+  </dgm:styleLbl>
+  <dgm:styleLbl name="sibTrans2D1">
+    <dgm:scene3d>
+      <a:camera prst="orthographicFront"/>
+      <a:lightRig rig="threePt" dir="t"/>
+    </dgm:scene3d>
+    <dgm:sp3d/>
+    <dgm:txPr/>
+    <dgm:style>
+      <a:lnRef idx="0">
+        <a:scrgbClr r="0" g="0" b="0"/>
+      </a:lnRef>
+      <a:fillRef idx="1">
+        <a:scrgbClr r="0" g="0" b="0"/>
+      </a:fillRef>
+      <a:effectRef idx="0">
+        <a:scrgbClr r="0" g="0" b="0"/>
+      </a:effectRef>
+      <a:fontRef idx="minor">
+        <a:schemeClr val="lt1"/>
+      </a:fontRef>
+    </dgm:style>
+  </dgm:styleLbl>
+  <dgm:styleLbl name="fgSibTrans2D1">
+    <dgm:scene3d>
+      <a:camera prst="orthographicFront"/>
+      <a:lightRig rig="threePt" dir="t"/>
+    </dgm:scene3d>
+    <dgm:sp3d/>
+    <dgm:txPr/>
+    <dgm:style>
+      <a:lnRef idx="0">
+        <a:scrgbClr r="0" g="0" b="0"/>
+      </a:lnRef>
+      <a:fillRef idx="1">
+        <a:scrgbClr r="0" g="0" b="0"/>
+      </a:fillRef>
+      <a:effectRef idx="0">
+        <a:scrgbClr r="0" g="0" b="0"/>
+      </a:effectRef>
+      <a:fontRef idx="minor">
+        <a:schemeClr val="lt1"/>
+      </a:fontRef>
+    </dgm:style>
+  </dgm:styleLbl>
+  <dgm:styleLbl name="bgSibTrans2D1">
+    <dgm:scene3d>
+      <a:camera prst="orthographicFront"/>
+      <a:lightRig rig="threePt" dir="t"/>
+    </dgm:scene3d>
+    <dgm:sp3d/>
+    <dgm:txPr/>
+    <dgm:style>
+      <a:lnRef idx="0">
+        <a:scrgbClr r="0" g="0" b="0"/>
+      </a:lnRef>
+      <a:fillRef idx="1">
+        <a:scrgbClr r="0" g="0" b="0"/>
+      </a:fillRef>
+      <a:effectRef idx="0">
+        <a:scrgbClr r="0" g="0" b="0"/>
+      </a:effectRef>
+      <a:fontRef idx="minor">
+        <a:schemeClr val="lt1"/>
+      </a:fontRef>
+    </dgm:style>
+  </dgm:styleLbl>
+  <dgm:styleLbl name="sibTrans1D1">
+    <dgm:scene3d>
+      <a:camera prst="orthographicFront"/>
+      <a:lightRig rig="threePt" dir="t"/>
+    </dgm:scene3d>
+    <dgm:sp3d/>
+    <dgm:txPr/>
+    <dgm:style>
+      <a:lnRef idx="1">
+        <a:scrgbClr r="0" g="0" b="0"/>
+      </a:lnRef>
+      <a:fillRef idx="0">
+        <a:scrgbClr r="0" g="0" b="0"/>
+      </a:fillRef>
+      <a:effectRef idx="0">
+        <a:scrgbClr r="0" g="0" b="0"/>
+      </a:effectRef>
+      <a:fontRef idx="minor"/>
+    </dgm:style>
+  </dgm:styleLbl>
+  <dgm:styleLbl name="callout">
+    <dgm:scene3d>
+      <a:camera prst="orthographicFront"/>
+      <a:lightRig rig="threePt" dir="t"/>
+    </dgm:scene3d>
+    <dgm:sp3d/>
+    <dgm:txPr/>
+    <dgm:style>
+      <a:lnRef idx="2">
+        <a:scrgbClr r="0" g="0" b="0"/>
+      </a:lnRef>
+      <a:fillRef idx="1">
+        <a:scrgbClr r="0" g="0" b="0"/>
+      </a:fillRef>
+      <a:effectRef idx="0">
+        <a:scrgbClr r="0" g="0" b="0"/>
+      </a:effectRef>
+      <a:fontRef idx="minor"/>
+    </dgm:style>
+  </dgm:styleLbl>
+  <dgm:styleLbl name="asst0">
+    <dgm:scene3d>
+      <a:camera prst="orthographicFront"/>
+      <a:lightRig rig="threePt" dir="t"/>
+    </dgm:scene3d>
+    <dgm:sp3d/>
+    <dgm:txPr/>
+    <dgm:style>
+      <a:lnRef idx="2">
+        <a:scrgbClr r="0" g="0" b="0"/>
+      </a:lnRef>
+      <a:fillRef idx="1">
+        <a:scrgbClr r="0" g="0" b="0"/>
+      </a:fillRef>
+      <a:effectRef idx="0">
+        <a:scrgbClr r="0" g="0" b="0"/>
+      </a:effectRef>
+      <a:fontRef idx="minor">
+        <a:schemeClr val="lt1"/>
+      </a:fontRef>
+    </dgm:style>
+  </dgm:styleLbl>
+  <dgm:styleLbl name="asst1">
+    <dgm:scene3d>
+      <a:camera prst="orthographicFront"/>
+      <a:lightRig rig="threePt" dir="t"/>
+    </dgm:scene3d>
+    <dgm:sp3d/>
+    <dgm:txPr/>
+    <dgm:style>
+      <a:lnRef idx="2">
+        <a:scrgbClr r="0" g="0" b="0"/>
+      </a:lnRef>
+      <a:fillRef idx="1">
+        <a:scrgbClr r="0" g="0" b="0"/>
+      </a:fillRef>
+      <a:effectRef idx="0">
+        <a:scrgbClr r="0" g="0" b="0"/>
+      </a:effectRef>
+      <a:fontRef idx="minor">
+        <a:schemeClr val="lt1"/>
+      </a:fontRef>
+    </dgm:style>
+  </dgm:styleLbl>
+  <dgm:styleLbl name="asst2">
+    <dgm:scene3d>
+      <a:camera prst="orthographicFront"/>
+      <a:lightRig rig="threePt" dir="t"/>
+    </dgm:scene3d>
+    <dgm:sp3d/>
+    <dgm:txPr/>
+    <dgm:style>
+      <a:lnRef idx="2">
+        <a:scrgbClr r="0" g="0" b="0"/>
+      </a:lnRef>
+      <a:fillRef idx="1">
+        <a:scrgbClr r="0" g="0" b="0"/>
+      </a:fillRef>
+      <a:effectRef idx="0">
+        <a:scrgbClr r="0" g="0" b="0"/>
+      </a:effectRef>
+      <a:fontRef idx="minor">
+        <a:schemeClr val="lt1"/>
+      </a:fontRef>
+    </dgm:style>
+  </dgm:styleLbl>
+  <dgm:styleLbl name="asst3">
+    <dgm:scene3d>
+      <a:camera prst="orthographicFront"/>
+      <a:lightRig rig="threePt" dir="t"/>
+    </dgm:scene3d>
+    <dgm:sp3d/>
+    <dgm:txPr/>
+    <dgm:style>
+      <a:lnRef idx="2">
+        <a:scrgbClr r="0" g="0" b="0"/>
+      </a:lnRef>
+      <a:fillRef idx="1">
+        <a:scrgbClr r="0" g="0" b="0"/>
+      </a:fillRef>
+      <a:effectRef idx="0">
+        <a:scrgbClr r="0" g="0" b="0"/>
+      </a:effectRef>
+      <a:fontRef idx="minor">
+        <a:schemeClr val="lt1"/>
+      </a:fontRef>
+    </dgm:style>
+  </dgm:styleLbl>
+  <dgm:styleLbl name="asst4">
+    <dgm:scene3d>
+      <a:camera prst="orthographicFront"/>
+      <a:lightRig rig="threePt" dir="t"/>
+    </dgm:scene3d>
+    <dgm:sp3d/>
+    <dgm:txPr/>
+    <dgm:style>
+      <a:lnRef idx="2">
+        <a:scrgbClr r="0" g="0" b="0"/>
+      </a:lnRef>
+      <a:fillRef idx="1">
+        <a:scrgbClr r="0" g="0" b="0"/>
+      </a:fillRef>
+      <a:effectRef idx="0">
+        <a:scrgbClr r="0" g="0" b="0"/>
+      </a:effectRef>
+      <a:fontRef idx="minor">
+        <a:schemeClr val="lt1"/>
+      </a:fontRef>
+    </dgm:style>
+  </dgm:styleLbl>
+  <dgm:styleLbl name="parChTrans2D1">
+    <dgm:scene3d>
+      <a:camera prst="orthographicFront"/>
+      <a:lightRig rig="threePt" dir="t"/>
+    </dgm:scene3d>
+    <dgm:sp3d/>
+    <dgm:txPr/>
+    <dgm:style>
+      <a:lnRef idx="2">
+        <a:scrgbClr r="0" g="0" b="0"/>
+      </a:lnRef>
+      <a:fillRef idx="1">
+        <a:scrgbClr r="0" g="0" b="0"/>
+      </a:fillRef>
+      <a:effectRef idx="0">
+        <a:scrgbClr r="0" g="0" b="0"/>
+      </a:effectRef>
+      <a:fontRef idx="minor">
+        <a:schemeClr val="lt1"/>
+      </a:fontRef>
+    </dgm:style>
+  </dgm:styleLbl>
+  <dgm:styleLbl name="parChTrans2D2">
+    <dgm:scene3d>
+      <a:camera prst="orthographicFront"/>
+      <a:lightRig rig="threePt" dir="t"/>
+    </dgm:scene3d>
+    <dgm:sp3d/>
+    <dgm:txPr/>
+    <dgm:style>
+      <a:lnRef idx="2">
+        <a:scrgbClr r="0" g="0" b="0"/>
+      </a:lnRef>
+      <a:fillRef idx="1">
+        <a:scrgbClr r="0" g="0" b="0"/>
+      </a:fillRef>
+      <a:effectRef idx="0">
+        <a:scrgbClr r="0" g="0" b="0"/>
+      </a:effectRef>
+      <a:fontRef idx="minor">
+        <a:schemeClr val="lt1"/>
+      </a:fontRef>
+    </dgm:style>
+  </dgm:styleLbl>
+  <dgm:styleLbl name="parChTrans2D3">
+    <dgm:scene3d>
+      <a:camera prst="orthographicFront"/>
+      <a:lightRig rig="threePt" dir="t"/>
+    </dgm:scene3d>
+    <dgm:sp3d/>
+    <dgm:txPr/>
+    <dgm:style>
+      <a:lnRef idx="2">
+        <a:scrgbClr r="0" g="0" b="0"/>
+      </a:lnRef>
+      <a:fillRef idx="1">
+        <a:scrgbClr r="0" g="0" b="0"/>
+      </a:fillRef>
+      <a:effectRef idx="0">
+        <a:scrgbClr r="0" g="0" b="0"/>
+      </a:effectRef>
+      <a:fontRef idx="minor">
+        <a:schemeClr val="lt1"/>
+      </a:fontRef>
+    </dgm:style>
+  </dgm:styleLbl>
+  <dgm:styleLbl name="parChTrans2D4">
+    <dgm:scene3d>
+      <a:camera prst="orthographicFront"/>
+      <a:lightRig rig="threePt" dir="t"/>
+    </dgm:scene3d>
+    <dgm:sp3d/>
+    <dgm:txPr/>
+    <dgm:style>
+      <a:lnRef idx="2">
+        <a:scrgbClr r="0" g="0" b="0"/>
+      </a:lnRef>
+      <a:fillRef idx="1">
+        <a:scrgbClr r="0" g="0" b="0"/>
+      </a:fillRef>
+      <a:effectRef idx="0">
+        <a:scrgbClr r="0" g="0" b="0"/>
+      </a:effectRef>
+      <a:fontRef idx="minor">
+        <a:schemeClr val="lt1"/>
+      </a:fontRef>
+    </dgm:style>
+  </dgm:styleLbl>
+  <dgm:styleLbl name="parChTrans1D1">
+    <dgm:scene3d>
+      <a:camera prst="orthographicFront"/>
+      <a:lightRig rig="threePt" dir="t"/>
+    </dgm:scene3d>
+    <dgm:sp3d/>
+    <dgm:txPr/>
+    <dgm:style>
+      <a:lnRef idx="2">
+        <a:scrgbClr r="0" g="0" b="0"/>
+      </a:lnRef>
+      <a:fillRef idx="0">
+        <a:scrgbClr r="0" g="0" b="0"/>
+      </a:fillRef>
+      <a:effectRef idx="0">
+        <a:scrgbClr r="0" g="0" b="0"/>
+      </a:effectRef>
+      <a:fontRef idx="minor"/>
+    </dgm:style>
+  </dgm:styleLbl>
+  <dgm:styleLbl name="parChTrans1D2">
+    <dgm:scene3d>
+      <a:camera prst="orthographicFront"/>
+      <a:lightRig rig="threePt" dir="t"/>
+    </dgm:scene3d>
+    <dgm:sp3d/>
+    <dgm:txPr/>
+    <dgm:style>
+      <a:lnRef idx="2">
+        <a:scrgbClr r="0" g="0" b="0"/>
+      </a:lnRef>
+      <a:fillRef idx="0">
+        <a:scrgbClr r="0" g="0" b="0"/>
+      </a:fillRef>
+      <a:effectRef idx="0">
+        <a:scrgbClr r="0" g="0" b="0"/>
+      </a:effectRef>
+      <a:fontRef idx="minor"/>
+    </dgm:style>
+  </dgm:styleLbl>
+  <dgm:styleLbl name="parChTrans1D3">
+    <dgm:scene3d>
+      <a:camera prst="orthographicFront"/>
+      <a:lightRig rig="threePt" dir="t"/>
+    </dgm:scene3d>
+    <dgm:sp3d/>
+    <dgm:txPr/>
+    <dgm:style>
+      <a:lnRef idx="2">
+        <a:scrgbClr r="0" g="0" b="0"/>
+      </a:lnRef>
+      <a:fillRef idx="0">
+        <a:scrgbClr r="0" g="0" b="0"/>
+      </a:fillRef>
+      <a:effectRef idx="0">
+        <a:scrgbClr r="0" g="0" b="0"/>
+      </a:effectRef>
+      <a:fontRef idx="minor"/>
+    </dgm:style>
+  </dgm:styleLbl>
+  <dgm:styleLbl name="parChTrans1D4">
+    <dgm:scene3d>
+      <a:camera prst="orthographicFront"/>
+      <a:lightRig rig="threePt" dir="t"/>
+    </dgm:scene3d>
+    <dgm:sp3d/>
+    <dgm:txPr/>
+    <dgm:style>
+      <a:lnRef idx="2">
+        <a:scrgbClr r="0" g="0" b="0"/>
+      </a:lnRef>
+      <a:fillRef idx="0">
+        <a:scrgbClr r="0" g="0" b="0"/>
+      </a:fillRef>
+      <a:effectRef idx="0">
+        <a:scrgbClr r="0" g="0" b="0"/>
+      </a:effectRef>
+      <a:fontRef idx="minor"/>
+    </dgm:style>
+  </dgm:styleLbl>
+  <dgm:styleLbl name="fgAcc1">
+    <dgm:scene3d>
+      <a:camera prst="orthographicFront"/>
+      <a:lightRig rig="threePt" dir="t"/>
+    </dgm:scene3d>
+    <dgm:sp3d/>
+    <dgm:txPr/>
+    <dgm:style>
+      <a:lnRef idx="2">
+        <a:scrgbClr r="0" g="0" b="0"/>
+      </a:lnRef>
+      <a:fillRef idx="1">
+        <a:scrgbClr r="0" g="0" b="0"/>
+      </a:fillRef>
+      <a:effectRef idx="0">
+        <a:scrgbClr r="0" g="0" b="0"/>
+      </a:effectRef>
+      <a:fontRef idx="minor"/>
+    </dgm:style>
+  </dgm:styleLbl>
+  <dgm:styleLbl name="conFgAcc1">
+    <dgm:scene3d>
+      <a:camera prst="orthographicFront"/>
+      <a:lightRig rig="threePt" dir="t"/>
+    </dgm:scene3d>
+    <dgm:sp3d/>
+    <dgm:txPr/>
+    <dgm:style>
+      <a:lnRef idx="2">
+        <a:scrgbClr r="0" g="0" b="0"/>
+      </a:lnRef>
+      <a:fillRef idx="1">
+        <a:scrgbClr r="0" g="0" b="0"/>
+      </a:fillRef>
+      <a:effectRef idx="0">
+        <a:scrgbClr r="0" g="0" b="0"/>
+      </a:effectRef>
+      <a:fontRef idx="minor"/>
+    </dgm:style>
+  </dgm:styleLbl>
+  <dgm:styleLbl name="alignAcc1">
+    <dgm:scene3d>
+      <a:camera prst="orthographicFront"/>
+      <a:lightRig rig="threePt" dir="t"/>
+    </dgm:scene3d>
+    <dgm:sp3d/>
+    <dgm:txPr/>
+    <dgm:style>
+      <a:lnRef idx="2">
+        <a:scrgbClr r="0" g="0" b="0"/>
+      </a:lnRef>
+      <a:fillRef idx="1">
+        <a:scrgbClr r="0" g="0" b="0"/>
+      </a:fillRef>
+      <a:effectRef idx="0">
+        <a:scrgbClr r="0" g="0" b="0"/>
+      </a:effectRef>
+      <a:fontRef idx="minor"/>
+    </dgm:style>
+  </dgm:styleLbl>
+  <dgm:styleLbl name="trAlignAcc1">
+    <dgm:scene3d>
+      <a:camera prst="orthographicFront"/>
+      <a:lightRig rig="threePt" dir="t"/>
+    </dgm:scene3d>
+    <dgm:sp3d/>
+    <dgm:txPr/>
+    <dgm:style>
+      <a:lnRef idx="1">
+        <a:scrgbClr r="0" g="0" b="0"/>
+      </a:lnRef>
+      <a:fillRef idx="1">
+        <a:scrgbClr r="0" g="0" b="0"/>
+      </a:fillRef>
+      <a:effectRef idx="0">
+        <a:scrgbClr r="0" g="0" b="0"/>
+      </a:effectRef>
+      <a:fontRef idx="minor"/>
+    </dgm:style>
+  </dgm:styleLbl>
+  <dgm:styleLbl name="bgAcc1">
+    <dgm:scene3d>
+      <a:camera prst="orthographicFront"/>
+      <a:lightRig rig="threePt" dir="t"/>
+    </dgm:scene3d>
+    <dgm:sp3d/>
+    <dgm:txPr/>
+    <dgm:style>
+      <a:lnRef idx="2">
+        <a:scrgbClr r="0" g="0" b="0"/>
+      </a:lnRef>
+      <a:fillRef idx="1">
+        <a:scrgbClr r="0" g="0" b="0"/>
+      </a:fillRef>
+      <a:effectRef idx="0">
+        <a:scrgbClr r="0" g="0" b="0"/>
+      </a:effectRef>
+      <a:fontRef idx="minor"/>
+    </dgm:style>
+  </dgm:styleLbl>
+  <dgm:styleLbl name="solidFgAcc1">
+    <dgm:scene3d>
+      <a:camera prst="orthographicFront"/>
+      <a:lightRig rig="threePt" dir="t"/>
+    </dgm:scene3d>
+    <dgm:sp3d/>
+    <dgm:txPr/>
+    <dgm:style>
+      <a:lnRef idx="2">
+        <a:scrgbClr r="0" g="0" b="0"/>
+      </a:lnRef>
+      <a:fillRef idx="1">
+        <a:scrgbClr r="0" g="0" b="0"/>
+      </a:fillRef>
+      <a:effectRef idx="0">
+        <a:scrgbClr r="0" g="0" b="0"/>
+      </a:effectRef>
+      <a:fontRef idx="minor"/>
+    </dgm:style>
+  </dgm:styleLbl>
+  <dgm:styleLbl name="solidAlignAcc1">
+    <dgm:scene3d>
+      <a:camera prst="orthographicFront"/>
+      <a:lightRig rig="threePt" dir="t"/>
+    </dgm:scene3d>
+    <dgm:sp3d/>
+    <dgm:txPr/>
+    <dgm:style>
+      <a:lnRef idx="2">
+        <a:scrgbClr r="0" g="0" b="0"/>
+      </a:lnRef>
+      <a:fillRef idx="1">
+        <a:scrgbClr r="0" g="0" b="0"/>
+      </a:fillRef>
+      <a:effectRef idx="0">
+        <a:scrgbClr r="0" g="0" b="0"/>
+      </a:effectRef>
+      <a:fontRef idx="minor"/>
+    </dgm:style>
+  </dgm:styleLbl>
+  <dgm:styleLbl name="solidBgAcc1">
+    <dgm:scene3d>
+      <a:camera prst="orthographicFront"/>
+      <a:lightRig rig="threePt" dir="t"/>
+    </dgm:scene3d>
+    <dgm:sp3d/>
+    <dgm:txPr/>
+    <dgm:style>
+      <a:lnRef idx="2">
+        <a:scrgbClr r="0" g="0" b="0"/>
+      </a:lnRef>
+      <a:fillRef idx="1">
+        <a:scrgbClr r="0" g="0" b="0"/>
+      </a:fillRef>
+      <a:effectRef idx="0">
+        <a:scrgbClr r="0" g="0" b="0"/>
+      </a:effectRef>
+      <a:fontRef idx="minor"/>
+    </dgm:style>
+  </dgm:styleLbl>
+  <dgm:styleLbl name="fgAccFollowNode1">
+    <dgm:scene3d>
+      <a:camera prst="orthographicFront"/>
+      <a:lightRig rig="threePt" dir="t"/>
+    </dgm:scene3d>
+    <dgm:sp3d/>
+    <dgm:txPr/>
+    <dgm:style>
+      <a:lnRef idx="2">
+        <a:scrgbClr r="0" g="0" b="0"/>
+      </a:lnRef>
+      <a:fillRef idx="1">
+        <a:scrgbClr r="0" g="0" b="0"/>
+      </a:fillRef>
+      <a:effectRef idx="0">
+        <a:scrgbClr r="0" g="0" b="0"/>
+      </a:effectRef>
+      <a:fontRef idx="minor"/>
+    </dgm:style>
+  </dgm:styleLbl>
+  <dgm:styleLbl name="alignAccFollowNode1">
+    <dgm:scene3d>
+      <a:camera prst="orthographicFront"/>
+      <a:lightRig rig="threePt" dir="t"/>
+    </dgm:scene3d>
+    <dgm:sp3d/>
+    <dgm:txPr/>
+    <dgm:style>
+      <a:lnRef idx="2">
+        <a:scrgbClr r="0" g="0" b="0"/>
+      </a:lnRef>
+      <a:fillRef idx="1">
+        <a:scrgbClr r="0" g="0" b="0"/>
+      </a:fillRef>
+      <a:effectRef idx="0">
+        <a:scrgbClr r="0" g="0" b="0"/>
+      </a:effectRef>
+      <a:fontRef idx="minor"/>
+    </dgm:style>
+  </dgm:styleLbl>
+  <dgm:styleLbl name="bgAccFollowNode1">
+    <dgm:scene3d>
+      <a:camera prst="orthographicFront"/>
+      <a:lightRig rig="threePt" dir="t"/>
+    </dgm:scene3d>
+    <dgm:sp3d/>
+    <dgm:txPr/>
+    <dgm:style>
+      <a:lnRef idx="2">
+        <a:scrgbClr r="0" g="0" b="0"/>
+      </a:lnRef>
+      <a:fillRef idx="1">
+        <a:scrgbClr r="0" g="0" b="0"/>
+      </a:fillRef>
+      <a:effectRef idx="0">
+        <a:scrgbClr r="0" g="0" b="0"/>
+      </a:effectRef>
+      <a:fontRef idx="minor"/>
+    </dgm:style>
+  </dgm:styleLbl>
+  <dgm:styleLbl name="fgAcc0">
+    <dgm:scene3d>
+      <a:camera prst="orthographicFront"/>
+      <a:lightRig rig="threePt" dir="t"/>
+    </dgm:scene3d>
+    <dgm:sp3d/>
+    <dgm:txPr/>
+    <dgm:style>
+      <a:lnRef idx="2">
+        <a:scrgbClr r="0" g="0" b="0"/>
+      </a:lnRef>
+      <a:fillRef idx="1">
+        <a:scrgbClr r="0" g="0" b="0"/>
+      </a:fillRef>
+      <a:effectRef idx="0">
+        <a:scrgbClr r="0" g="0" b="0"/>
+      </a:effectRef>
+      <a:fontRef idx="minor"/>
+    </dgm:style>
+  </dgm:styleLbl>
+  <dgm:styleLbl name="fgAcc2">
+    <dgm:scene3d>
+      <a:camera prst="orthographicFront"/>
+      <a:lightRig rig="threePt" dir="t"/>
+    </dgm:scene3d>
+    <dgm:sp3d/>
+    <dgm:txPr/>
+    <dgm:style>
+      <a:lnRef idx="2">
+        <a:scrgbClr r="0" g="0" b="0"/>
+      </a:lnRef>
+      <a:fillRef idx="1">
+        <a:scrgbClr r="0" g="0" b="0"/>
+      </a:fillRef>
+      <a:effectRef idx="0">
+        <a:scrgbClr r="0" g="0" b="0"/>
+      </a:effectRef>
+      <a:fontRef idx="minor"/>
+    </dgm:style>
+  </dgm:styleLbl>
+  <dgm:styleLbl name="fgAcc3">
+    <dgm:scene3d>
+      <a:camera prst="orthographicFront"/>
+      <a:lightRig rig="threePt" dir="t"/>
+    </dgm:scene3d>
+    <dgm:sp3d/>
+    <dgm:txPr/>
+    <dgm:style>
+      <a:lnRef idx="2">
+        <a:scrgbClr r="0" g="0" b="0"/>
+      </a:lnRef>
+      <a:fillRef idx="1">
+        <a:scrgbClr r="0" g="0" b="0"/>
+      </a:fillRef>
+      <a:effectRef idx="0">
+        <a:scrgbClr r="0" g="0" b="0"/>
+      </a:effectRef>
+      <a:fontRef idx="minor"/>
+    </dgm:style>
+  </dgm:styleLbl>
+  <dgm:styleLbl name="fgAcc4">
+    <dgm:scene3d>
+      <a:camera prst="orthographicFront"/>
+      <a:lightRig rig="threePt" dir="t"/>
+    </dgm:scene3d>
+    <dgm:sp3d/>
+    <dgm:txPr/>
+    <dgm:style>
+      <a:lnRef idx="2">
+        <a:scrgbClr r="0" g="0" b="0"/>
+      </a:lnRef>
+      <a:fillRef idx="1">
+        <a:scrgbClr r="0" g="0" b="0"/>
+      </a:fillRef>
+      <a:effectRef idx="0">
+        <a:scrgbClr r="0" g="0" b="0"/>
+      </a:effectRef>
+      <a:fontRef idx="minor"/>
+    </dgm:style>
+  </dgm:styleLbl>
+  <dgm:styleLbl name="bgShp">
+    <dgm:scene3d>
+      <a:camera prst="orthographicFront"/>
+      <a:lightRig rig="threePt" dir="t"/>
+    </dgm:scene3d>
+    <dgm:sp3d/>
+    <dgm:txPr/>
+    <dgm:style>
+      <a:lnRef idx="0">
+        <a:scrgbClr r="0" g="0" b="0"/>
+      </a:lnRef>
+      <a:fillRef idx="1">
+        <a:scrgbClr r="0" g="0" b="0"/>
+      </a:fillRef>
+      <a:effectRef idx="0">
+        <a:scrgbClr r="0" g="0" b="0"/>
+      </a:effectRef>
+      <a:fontRef idx="minor"/>
+    </dgm:style>
+  </dgm:styleLbl>
+  <dgm:styleLbl name="dkBgShp">
+    <dgm:scene3d>
+      <a:camera prst="orthographicFront"/>
+      <a:lightRig rig="threePt" dir="t"/>
+    </dgm:scene3d>
+    <dgm:sp3d/>
+    <dgm:txPr/>
+    <dgm:style>
+      <a:lnRef idx="0">
+        <a:scrgbClr r="0" g="0" b="0"/>
+      </a:lnRef>
+      <a:fillRef idx="1">
+        <a:scrgbClr r="0" g="0" b="0"/>
+      </a:fillRef>
+      <a:effectRef idx="0">
+        <a:scrgbClr r="0" g="0" b="0"/>
+      </a:effectRef>
+      <a:fontRef idx="minor"/>
+    </dgm:style>
+  </dgm:styleLbl>
+  <dgm:styleLbl name="trBgShp">
+    <dgm:scene3d>
+      <a:camera prst="orthographicFront"/>
+      <a:lightRig rig="threePt" dir="t"/>
+    </dgm:scene3d>
+    <dgm:sp3d/>
+    <dgm:txPr/>
+    <dgm:style>
+      <a:lnRef idx="0">
+        <a:scrgbClr r="0" g="0" b="0"/>
+      </a:lnRef>
+      <a:fillRef idx="1">
+        <a:scrgbClr r="0" g="0" b="0"/>
+      </a:fillRef>
+      <a:effectRef idx="0">
+        <a:scrgbClr r="0" g="0" b="0"/>
+      </a:effectRef>
+      <a:fontRef idx="minor"/>
+    </dgm:style>
+  </dgm:styleLbl>
+  <dgm:styleLbl name="fgShp">
+    <dgm:scene3d>
+      <a:camera prst="orthographicFront"/>
+      <a:lightRig rig="threePt" dir="t"/>
+    </dgm:scene3d>
+    <dgm:sp3d/>
+    <dgm:txPr/>
+    <dgm:style>
+      <a:lnRef idx="2">
+        <a:scrgbClr r="0" g="0" b="0"/>
+      </a:lnRef>
+      <a:fillRef idx="1">
+        <a:scrgbClr r="0" g="0" b="0"/>
+      </a:fillRef>
+      <a:effectRef idx="0">
+        <a:scrgbClr r="0" g="0" b="0"/>
+      </a:effectRef>
+      <a:fontRef idx="minor"/>
+    </dgm:style>
+  </dgm:styleLbl>
+  <dgm:styleLbl name="revTx">
+    <dgm:scene3d>
+      <a:camera prst="orthographicFront"/>
+      <a:lightRig rig="threePt" dir="t"/>
+    </dgm:scene3d>
+    <dgm:sp3d/>
+    <dgm:txPr/>
+    <dgm:style>
+      <a:lnRef idx="0">
+        <a:scrgbClr r="0" g="0" b="0"/>
+      </a:lnRef>
+      <a:fillRef idx="0">
+        <a:scrgbClr r="0" g="0" b="0"/>
+      </a:fillRef>
+      <a:effectRef idx="0">
+        <a:scrgbClr r="0" g="0" b="0"/>
+      </a:effectRef>
+      <a:fontRef idx="minor"/>
+    </dgm:style>
+  </dgm:styleLbl>
+</dgm:styleDef>
+</file>
+
 <file path=ppt/handoutMasters/handoutMaster1.xml><?xml version="1.0" encoding="utf-8"?>
 <p:handoutMaster xmlns:a="http://schemas.openxmlformats.org/drawingml/2006/main" xmlns:r="http://schemas.openxmlformats.org/officeDocument/2006/relationships" xmlns:p="http://schemas.openxmlformats.org/presentationml/2006/main">
   <p:cSld>
@@ -12105,7 +14780,7 @@
           <a:p>
             <a:fld id="{7FF95820-84BB-3447-8286-60A51307E7F2}" type="datetimeFigureOut">
               <a:rPr lang="en-US" smtClean="0"/>
-              <a:t>11/20/2022</a:t>
+              <a:t>11/25/2022</a:t>
             </a:fld>
             <a:endParaRPr lang="en-US" dirty="0"/>
           </a:p>
@@ -12283,7 +14958,7 @@
           <a:p>
             <a:fld id="{FC08FC54-6AE4-6A4A-9756-823A0F1BE5A6}" type="datetimeFigureOut">
               <a:rPr lang="en-US" smtClean="0"/>
-              <a:t>11/20/2022</a:t>
+              <a:t>11/25/2022</a:t>
             </a:fld>
             <a:endParaRPr lang="en-US" dirty="0"/>
           </a:p>
@@ -23536,6 +26211,514 @@
                 <a:latin typeface="Calibri" panose="020F0502020204030204" pitchFamily="34" charset="0"/>
                 <a:cs typeface="Calibri" panose="020F0502020204030204" pitchFamily="34" charset="0"/>
               </a:rPr>
+              <a:t>Deployment</a:t>
+            </a:r>
+          </a:p>
+        </p:txBody>
+      </p:sp>
+      <p:sp>
+        <p:nvSpPr>
+          <p:cNvPr id="4" name="Slide Number Placeholder 3">
+            <a:extLst>
+              <a:ext uri="{FF2B5EF4-FFF2-40B4-BE49-F238E27FC236}">
+                <a16:creationId xmlns:a16="http://schemas.microsoft.com/office/drawing/2014/main" id="{AB34DDCD-707A-A5D7-B2C6-B463856CE28B}"/>
+              </a:ext>
+            </a:extLst>
+          </p:cNvPr>
+          <p:cNvSpPr>
+            <a:spLocks noGrp="1"/>
+          </p:cNvSpPr>
+          <p:nvPr>
+            <p:ph type="sldNum" sz="quarter" idx="11"/>
+          </p:nvPr>
+        </p:nvSpPr>
+        <p:spPr/>
+        <p:txBody>
+          <a:bodyPr/>
+          <a:lstStyle/>
+          <a:p>
+            <a:fld id="{75DF2D63-3FF5-D547-96B9-BE9CCD1ABA58}" type="slidenum">
+              <a:rPr lang="en-US" smtClean="0"/>
+              <a:pPr/>
+              <a:t>10</a:t>
+            </a:fld>
+            <a:endParaRPr lang="en-US" dirty="0"/>
+          </a:p>
+        </p:txBody>
+      </p:sp>
+      <p:sp>
+        <p:nvSpPr>
+          <p:cNvPr id="7" name="TextBox 6">
+            <a:extLst>
+              <a:ext uri="{FF2B5EF4-FFF2-40B4-BE49-F238E27FC236}">
+                <a16:creationId xmlns:a16="http://schemas.microsoft.com/office/drawing/2014/main" id="{BE408871-7213-4B57-A753-F297212DCDFB}"/>
+              </a:ext>
+            </a:extLst>
+          </p:cNvPr>
+          <p:cNvSpPr txBox="1"/>
+          <p:nvPr/>
+        </p:nvSpPr>
+        <p:spPr>
+          <a:xfrm>
+            <a:off x="649224" y="2383900"/>
+            <a:ext cx="3035009" cy="707886"/>
+          </a:xfrm>
+          <a:prstGeom prst="rect">
+            <a:avLst/>
+          </a:prstGeom>
+          <a:noFill/>
+        </p:spPr>
+        <p:txBody>
+          <a:bodyPr wrap="square" rtlCol="0">
+            <a:spAutoFit/>
+          </a:bodyPr>
+          <a:lstStyle/>
+          <a:p>
+            <a:r>
+              <a:rPr lang="en-US" sz="2000" dirty="0">
+                <a:latin typeface="Calibri" panose="020F0502020204030204" pitchFamily="34" charset="0"/>
+                <a:cs typeface="Calibri" panose="020F0502020204030204" pitchFamily="34" charset="0"/>
+              </a:rPr>
+              <a:t>After passing the test</a:t>
+            </a:r>
+          </a:p>
+          <a:p>
+            <a:r>
+              <a:rPr lang="en-US" sz="2000" dirty="0">
+                <a:latin typeface="Calibri" panose="020F0502020204030204" pitchFamily="34" charset="0"/>
+                <a:cs typeface="Calibri" panose="020F0502020204030204" pitchFamily="34" charset="0"/>
+              </a:rPr>
+              <a:t>Record the processing time</a:t>
+            </a:r>
+          </a:p>
+        </p:txBody>
+      </p:sp>
+      <p:sp>
+        <p:nvSpPr>
+          <p:cNvPr id="10" name="TextBox 9">
+            <a:extLst>
+              <a:ext uri="{FF2B5EF4-FFF2-40B4-BE49-F238E27FC236}">
+                <a16:creationId xmlns:a16="http://schemas.microsoft.com/office/drawing/2014/main" id="{5FD34435-B55A-4406-88D5-DFF568056778}"/>
+              </a:ext>
+            </a:extLst>
+          </p:cNvPr>
+          <p:cNvSpPr txBox="1"/>
+          <p:nvPr/>
+        </p:nvSpPr>
+        <p:spPr>
+          <a:xfrm>
+            <a:off x="649224" y="1768347"/>
+            <a:ext cx="3266982" cy="461665"/>
+          </a:xfrm>
+          <a:prstGeom prst="rect">
+            <a:avLst/>
+          </a:prstGeom>
+          <a:noFill/>
+        </p:spPr>
+        <p:txBody>
+          <a:bodyPr wrap="square" rtlCol="0">
+            <a:spAutoFit/>
+          </a:bodyPr>
+          <a:lstStyle/>
+          <a:p>
+            <a:r>
+              <a:rPr lang="en-US" sz="2400" b="1" dirty="0">
+                <a:latin typeface="Calibri" panose="020F0502020204030204" pitchFamily="34" charset="0"/>
+                <a:cs typeface="Calibri" panose="020F0502020204030204" pitchFamily="34" charset="0"/>
+              </a:rPr>
+              <a:t>SPEED</a:t>
+            </a:r>
+          </a:p>
+        </p:txBody>
+      </p:sp>
+      <p:sp>
+        <p:nvSpPr>
+          <p:cNvPr id="12" name="TextBox 11">
+            <a:extLst>
+              <a:ext uri="{FF2B5EF4-FFF2-40B4-BE49-F238E27FC236}">
+                <a16:creationId xmlns:a16="http://schemas.microsoft.com/office/drawing/2014/main" id="{9BD3DB28-4663-4D5F-8679-743FE34F63BF}"/>
+              </a:ext>
+            </a:extLst>
+          </p:cNvPr>
+          <p:cNvSpPr txBox="1"/>
+          <p:nvPr/>
+        </p:nvSpPr>
+        <p:spPr>
+          <a:xfrm>
+            <a:off x="4019524" y="2537788"/>
+            <a:ext cx="2281561" cy="400110"/>
+          </a:xfrm>
+          <a:prstGeom prst="rect">
+            <a:avLst/>
+          </a:prstGeom>
+          <a:noFill/>
+        </p:spPr>
+        <p:txBody>
+          <a:bodyPr wrap="square" rtlCol="0">
+            <a:spAutoFit/>
+          </a:bodyPr>
+          <a:lstStyle/>
+          <a:p>
+            <a:r>
+              <a:rPr lang="en-US" sz="2000" dirty="0">
+                <a:latin typeface="Calibri" panose="020F0502020204030204" pitchFamily="34" charset="0"/>
+                <a:cs typeface="Calibri" panose="020F0502020204030204" pitchFamily="34" charset="0"/>
+              </a:rPr>
+              <a:t>Take the difference</a:t>
+            </a:r>
+          </a:p>
+        </p:txBody>
+      </p:sp>
+      <p:sp>
+        <p:nvSpPr>
+          <p:cNvPr id="14" name="TextBox 13">
+            <a:extLst>
+              <a:ext uri="{FF2B5EF4-FFF2-40B4-BE49-F238E27FC236}">
+                <a16:creationId xmlns:a16="http://schemas.microsoft.com/office/drawing/2014/main" id="{918B979B-FA91-47D5-B66A-246E1FC90066}"/>
+              </a:ext>
+            </a:extLst>
+          </p:cNvPr>
+          <p:cNvSpPr txBox="1"/>
+          <p:nvPr/>
+        </p:nvSpPr>
+        <p:spPr>
+          <a:xfrm>
+            <a:off x="6664457" y="2537788"/>
+            <a:ext cx="2539014" cy="400110"/>
+          </a:xfrm>
+          <a:prstGeom prst="rect">
+            <a:avLst/>
+          </a:prstGeom>
+          <a:noFill/>
+        </p:spPr>
+        <p:txBody>
+          <a:bodyPr wrap="square" rtlCol="0">
+            <a:spAutoFit/>
+          </a:bodyPr>
+          <a:lstStyle/>
+          <a:p>
+            <a:r>
+              <a:rPr lang="en-US" sz="2000" dirty="0">
+                <a:latin typeface="Calibri" panose="020F0502020204030204" pitchFamily="34" charset="0"/>
+                <a:cs typeface="Calibri" panose="020F0502020204030204" pitchFamily="34" charset="0"/>
+              </a:rPr>
+              <a:t>Hardware accelerator</a:t>
+            </a:r>
+          </a:p>
+        </p:txBody>
+      </p:sp>
+      <p:sp>
+        <p:nvSpPr>
+          <p:cNvPr id="15" name="TextBox 14">
+            <a:extLst>
+              <a:ext uri="{FF2B5EF4-FFF2-40B4-BE49-F238E27FC236}">
+                <a16:creationId xmlns:a16="http://schemas.microsoft.com/office/drawing/2014/main" id="{E24AE653-F4E0-45A7-AB03-2033F9900C52}"/>
+              </a:ext>
+            </a:extLst>
+          </p:cNvPr>
+          <p:cNvSpPr txBox="1"/>
+          <p:nvPr/>
+        </p:nvSpPr>
+        <p:spPr>
+          <a:xfrm>
+            <a:off x="9566843" y="2537788"/>
+            <a:ext cx="2281561" cy="400110"/>
+          </a:xfrm>
+          <a:prstGeom prst="rect">
+            <a:avLst/>
+          </a:prstGeom>
+          <a:noFill/>
+        </p:spPr>
+        <p:txBody>
+          <a:bodyPr wrap="square" rtlCol="0">
+            <a:spAutoFit/>
+          </a:bodyPr>
+          <a:lstStyle/>
+          <a:p>
+            <a:r>
+              <a:rPr lang="en-US" sz="2000" dirty="0">
+                <a:latin typeface="Calibri" panose="020F0502020204030204" pitchFamily="34" charset="0"/>
+                <a:cs typeface="Calibri" panose="020F0502020204030204" pitchFamily="34" charset="0"/>
+              </a:rPr>
+              <a:t>Desire outcome</a:t>
+            </a:r>
+          </a:p>
+        </p:txBody>
+      </p:sp>
+      <p:cxnSp>
+        <p:nvCxnSpPr>
+          <p:cNvPr id="17" name="Straight Arrow Connector 16">
+            <a:extLst>
+              <a:ext uri="{FF2B5EF4-FFF2-40B4-BE49-F238E27FC236}">
+                <a16:creationId xmlns:a16="http://schemas.microsoft.com/office/drawing/2014/main" id="{27F927CE-41DE-40D2-AAF2-13D0C2F43987}"/>
+              </a:ext>
+            </a:extLst>
+          </p:cNvPr>
+          <p:cNvCxnSpPr>
+            <a:cxnSpLocks/>
+            <a:stCxn id="7" idx="3"/>
+            <a:endCxn id="12" idx="1"/>
+          </p:cNvCxnSpPr>
+          <p:nvPr/>
+        </p:nvCxnSpPr>
+        <p:spPr>
+          <a:xfrm>
+            <a:off x="3684233" y="2737843"/>
+            <a:ext cx="335291" cy="0"/>
+          </a:xfrm>
+          <a:prstGeom prst="straightConnector1">
+            <a:avLst/>
+          </a:prstGeom>
+          <a:ln w="38100">
+            <a:tailEnd type="triangle"/>
+          </a:ln>
+        </p:spPr>
+        <p:style>
+          <a:lnRef idx="1">
+            <a:schemeClr val="accent1"/>
+          </a:lnRef>
+          <a:fillRef idx="0">
+            <a:schemeClr val="accent1"/>
+          </a:fillRef>
+          <a:effectRef idx="0">
+            <a:schemeClr val="accent1"/>
+          </a:effectRef>
+          <a:fontRef idx="minor">
+            <a:schemeClr val="tx1"/>
+          </a:fontRef>
+        </p:style>
+      </p:cxnSp>
+      <p:cxnSp>
+        <p:nvCxnSpPr>
+          <p:cNvPr id="19" name="Straight Arrow Connector 18">
+            <a:extLst>
+              <a:ext uri="{FF2B5EF4-FFF2-40B4-BE49-F238E27FC236}">
+                <a16:creationId xmlns:a16="http://schemas.microsoft.com/office/drawing/2014/main" id="{62618B80-E7E9-4214-BF1E-68097FE53513}"/>
+              </a:ext>
+            </a:extLst>
+          </p:cNvPr>
+          <p:cNvCxnSpPr>
+            <a:cxnSpLocks/>
+            <a:stCxn id="12" idx="3"/>
+            <a:endCxn id="14" idx="1"/>
+          </p:cNvCxnSpPr>
+          <p:nvPr/>
+        </p:nvCxnSpPr>
+        <p:spPr>
+          <a:xfrm>
+            <a:off x="6301085" y="2737843"/>
+            <a:ext cx="363372" cy="0"/>
+          </a:xfrm>
+          <a:prstGeom prst="straightConnector1">
+            <a:avLst/>
+          </a:prstGeom>
+          <a:ln w="38100">
+            <a:tailEnd type="triangle"/>
+          </a:ln>
+        </p:spPr>
+        <p:style>
+          <a:lnRef idx="1">
+            <a:schemeClr val="accent1"/>
+          </a:lnRef>
+          <a:fillRef idx="0">
+            <a:schemeClr val="accent1"/>
+          </a:fillRef>
+          <a:effectRef idx="0">
+            <a:schemeClr val="accent1"/>
+          </a:effectRef>
+          <a:fontRef idx="minor">
+            <a:schemeClr val="tx1"/>
+          </a:fontRef>
+        </p:style>
+      </p:cxnSp>
+      <p:cxnSp>
+        <p:nvCxnSpPr>
+          <p:cNvPr id="21" name="Straight Arrow Connector 20">
+            <a:extLst>
+              <a:ext uri="{FF2B5EF4-FFF2-40B4-BE49-F238E27FC236}">
+                <a16:creationId xmlns:a16="http://schemas.microsoft.com/office/drawing/2014/main" id="{50CAC16A-BF08-4CFF-B492-73E8186B1BCE}"/>
+              </a:ext>
+            </a:extLst>
+          </p:cNvPr>
+          <p:cNvCxnSpPr>
+            <a:cxnSpLocks/>
+            <a:stCxn id="14" idx="3"/>
+            <a:endCxn id="15" idx="1"/>
+          </p:cNvCxnSpPr>
+          <p:nvPr/>
+        </p:nvCxnSpPr>
+        <p:spPr>
+          <a:xfrm>
+            <a:off x="9203471" y="2737843"/>
+            <a:ext cx="363372" cy="0"/>
+          </a:xfrm>
+          <a:prstGeom prst="straightConnector1">
+            <a:avLst/>
+          </a:prstGeom>
+          <a:ln w="38100">
+            <a:tailEnd type="triangle"/>
+          </a:ln>
+        </p:spPr>
+        <p:style>
+          <a:lnRef idx="1">
+            <a:schemeClr val="accent1"/>
+          </a:lnRef>
+          <a:fillRef idx="0">
+            <a:schemeClr val="accent1"/>
+          </a:fillRef>
+          <a:effectRef idx="0">
+            <a:schemeClr val="accent1"/>
+          </a:effectRef>
+          <a:fontRef idx="minor">
+            <a:schemeClr val="tx1"/>
+          </a:fontRef>
+        </p:style>
+      </p:cxnSp>
+      <p:sp>
+        <p:nvSpPr>
+          <p:cNvPr id="36" name="TextBox 35">
+            <a:extLst>
+              <a:ext uri="{FF2B5EF4-FFF2-40B4-BE49-F238E27FC236}">
+                <a16:creationId xmlns:a16="http://schemas.microsoft.com/office/drawing/2014/main" id="{9993D3C7-E678-48C9-B414-57105DEAB1C3}"/>
+              </a:ext>
+            </a:extLst>
+          </p:cNvPr>
+          <p:cNvSpPr txBox="1"/>
+          <p:nvPr/>
+        </p:nvSpPr>
+        <p:spPr>
+          <a:xfrm>
+            <a:off x="649224" y="4260869"/>
+            <a:ext cx="2299316" cy="461665"/>
+          </a:xfrm>
+          <a:prstGeom prst="rect">
+            <a:avLst/>
+          </a:prstGeom>
+          <a:noFill/>
+        </p:spPr>
+        <p:txBody>
+          <a:bodyPr wrap="square" rtlCol="0">
+            <a:spAutoFit/>
+          </a:bodyPr>
+          <a:lstStyle/>
+          <a:p>
+            <a:r>
+              <a:rPr lang="en-US" sz="2400" b="1" dirty="0">
+                <a:latin typeface="Calibri" panose="020F0502020204030204" pitchFamily="34" charset="0"/>
+                <a:cs typeface="Calibri" panose="020F0502020204030204" pitchFamily="34" charset="0"/>
+              </a:rPr>
+              <a:t>ROBUSTNESS</a:t>
+            </a:r>
+          </a:p>
+        </p:txBody>
+      </p:sp>
+      <p:sp>
+        <p:nvSpPr>
+          <p:cNvPr id="37" name="TextBox 36">
+            <a:extLst>
+              <a:ext uri="{FF2B5EF4-FFF2-40B4-BE49-F238E27FC236}">
+                <a16:creationId xmlns:a16="http://schemas.microsoft.com/office/drawing/2014/main" id="{A8E36EDE-15FC-4EE3-BE56-EAB50743D5E2}"/>
+              </a:ext>
+            </a:extLst>
+          </p:cNvPr>
+          <p:cNvSpPr txBox="1"/>
+          <p:nvPr/>
+        </p:nvSpPr>
+        <p:spPr>
+          <a:xfrm>
+            <a:off x="649224" y="4973361"/>
+            <a:ext cx="3430555" cy="646331"/>
+          </a:xfrm>
+          <a:prstGeom prst="rect">
+            <a:avLst/>
+          </a:prstGeom>
+          <a:noFill/>
+        </p:spPr>
+        <p:txBody>
+          <a:bodyPr wrap="none" rtlCol="0">
+            <a:spAutoFit/>
+          </a:bodyPr>
+          <a:lstStyle/>
+          <a:p>
+            <a:r>
+              <a:rPr lang="en-US" dirty="0"/>
+              <a:t>[ADD methods to increase robustness]</a:t>
+            </a:r>
+          </a:p>
+          <a:p>
+            <a:r>
+              <a:rPr lang="en-US" dirty="0"/>
+              <a:t>[this slide need more graphic care]</a:t>
+            </a:r>
+          </a:p>
+        </p:txBody>
+      </p:sp>
+    </p:spTree>
+    <p:extLst>
+      <p:ext uri="{BB962C8B-B14F-4D97-AF65-F5344CB8AC3E}">
+        <p14:creationId xmlns:p14="http://schemas.microsoft.com/office/powerpoint/2010/main" val="1066650205"/>
+      </p:ext>
+    </p:extLst>
+  </p:cSld>
+  <p:clrMapOvr>
+    <a:masterClrMapping/>
+  </p:clrMapOvr>
+</p:sld>
+</file>
+
+<file path=ppt/slides/slide11.xml><?xml version="1.0" encoding="utf-8"?>
+<p:sld xmlns:a="http://schemas.openxmlformats.org/drawingml/2006/main" xmlns:r="http://schemas.openxmlformats.org/officeDocument/2006/relationships" xmlns:p="http://schemas.openxmlformats.org/presentationml/2006/main">
+  <p:cSld>
+    <p:spTree>
+      <p:nvGrpSpPr>
+        <p:cNvPr id="1" name=""/>
+        <p:cNvGrpSpPr/>
+        <p:nvPr/>
+      </p:nvGrpSpPr>
+      <p:grpSpPr>
+        <a:xfrm>
+          <a:off x="0" y="0"/>
+          <a:ext cx="0" cy="0"/>
+          <a:chOff x="0" y="0"/>
+          <a:chExt cx="0" cy="0"/>
+        </a:xfrm>
+      </p:grpSpPr>
+      <p:sp>
+        <p:nvSpPr>
+          <p:cNvPr id="2" name="Title 1">
+            <a:extLst>
+              <a:ext uri="{FF2B5EF4-FFF2-40B4-BE49-F238E27FC236}">
+                <a16:creationId xmlns:a16="http://schemas.microsoft.com/office/drawing/2014/main" id="{5579856F-92A5-9936-EAA5-B01FC81B4FF8}"/>
+              </a:ext>
+            </a:extLst>
+          </p:cNvPr>
+          <p:cNvSpPr>
+            <a:spLocks noGrp="1"/>
+          </p:cNvSpPr>
+          <p:nvPr>
+            <p:ph type="title"/>
+          </p:nvPr>
+        </p:nvSpPr>
+        <p:spPr>
+          <a:xfrm>
+            <a:off x="649224" y="649287"/>
+            <a:ext cx="10058400" cy="914400"/>
+          </a:xfrm>
+        </p:spPr>
+        <p:txBody>
+          <a:bodyPr/>
+          <a:lstStyle/>
+          <a:p>
+            <a:r>
+              <a:rPr lang="en-US" dirty="0">
+                <a:solidFill>
+                  <a:schemeClr val="accent3">
+                    <a:lumMod val="75000"/>
+                  </a:schemeClr>
+                </a:solidFill>
+                <a:latin typeface="Calibri" panose="020F0502020204030204" pitchFamily="34" charset="0"/>
+                <a:cs typeface="Calibri" panose="020F0502020204030204" pitchFamily="34" charset="0"/>
+              </a:rPr>
               <a:t>Time Line</a:t>
             </a:r>
           </a:p>
@@ -23565,7 +26748,7 @@
             <a:fld id="{75DF2D63-3FF5-D547-96B9-BE9CCD1ABA58}" type="slidenum">
               <a:rPr lang="en-US" smtClean="0"/>
               <a:pPr/>
-              <a:t>10</a:t>
+              <a:t>11</a:t>
             </a:fld>
             <a:endParaRPr lang="en-US" dirty="0"/>
           </a:p>
@@ -23614,7 +26797,7 @@
 </p:sld>
 </file>
 
-<file path=ppt/slides/slide11.xml><?xml version="1.0" encoding="utf-8"?>
+<file path=ppt/slides/slide12.xml><?xml version="1.0" encoding="utf-8"?>
 <p:sld xmlns:a="http://schemas.openxmlformats.org/drawingml/2006/main" xmlns:r="http://schemas.openxmlformats.org/officeDocument/2006/relationships" xmlns:p="http://schemas.openxmlformats.org/presentationml/2006/main">
   <p:cSld>
     <p:spTree>
@@ -25012,31 +28195,37 @@
           </a:p>
         </p:txBody>
       </p:sp>
-      <p:sp>
-        <p:nvSpPr>
-          <p:cNvPr id="5" name="Content Placeholder 4">
+      <p:graphicFrame>
+        <p:nvGraphicFramePr>
+          <p:cNvPr id="2" name="Content Placeholder 1">
             <a:extLst>
               <a:ext uri="{FF2B5EF4-FFF2-40B4-BE49-F238E27FC236}">
-                <a16:creationId xmlns:a16="http://schemas.microsoft.com/office/drawing/2014/main" id="{FC1C2BEF-A030-416B-BBCA-D4FC74C2C22E}"/>
+                <a16:creationId xmlns:a16="http://schemas.microsoft.com/office/drawing/2014/main" id="{97256077-DEB8-41EA-A38A-1B08FD9C5D42}"/>
               </a:ext>
             </a:extLst>
           </p:cNvPr>
-          <p:cNvSpPr>
-            <a:spLocks noGrp="1"/>
-          </p:cNvSpPr>
+          <p:cNvGraphicFramePr>
+            <a:graphicFrameLocks noGrp="1"/>
+          </p:cNvGraphicFramePr>
           <p:nvPr>
             <p:ph sz="half" idx="2"/>
+            <p:extLst>
+              <p:ext uri="{D42A27DB-BD31-4B8C-83A1-F6EECF244321}">
+                <p14:modId xmlns:p14="http://schemas.microsoft.com/office/powerpoint/2010/main" val="1285794230"/>
+              </p:ext>
+            </p:extLst>
           </p:nvPr>
-        </p:nvSpPr>
-        <p:spPr/>
-        <p:txBody>
-          <a:bodyPr/>
-          <a:lstStyle/>
-          <a:p>
-            <a:endParaRPr lang="en-US"/>
-          </a:p>
-        </p:txBody>
-      </p:sp>
+        </p:nvGraphicFramePr>
+        <p:xfrm>
+          <a:off x="1603220" y="3355359"/>
+          <a:ext cx="3886200" cy="2514600"/>
+        </p:xfrm>
+        <a:graphic>
+          <a:graphicData uri="http://schemas.openxmlformats.org/drawingml/2006/diagram">
+            <dgm:relIds xmlns:dgm="http://schemas.openxmlformats.org/drawingml/2006/diagram" xmlns:r="http://schemas.openxmlformats.org/officeDocument/2006/relationships" r:dm="rId2" r:lo="rId3" r:qs="rId4" r:cs="rId5"/>
+          </a:graphicData>
+        </a:graphic>
+      </p:graphicFrame>
       <p:sp>
         <p:nvSpPr>
           <p:cNvPr id="6" name="Text Placeholder 5">
@@ -25097,7 +28286,7 @@
         </p:xfrm>
         <a:graphic>
           <a:graphicData uri="http://schemas.openxmlformats.org/drawingml/2006/diagram">
-            <dgm:relIds xmlns:dgm="http://schemas.openxmlformats.org/drawingml/2006/diagram" xmlns:r="http://schemas.openxmlformats.org/officeDocument/2006/relationships" r:dm="rId2" r:lo="rId3" r:qs="rId4" r:cs="rId5"/>
+            <dgm:relIds xmlns:dgm="http://schemas.openxmlformats.org/drawingml/2006/diagram" xmlns:r="http://schemas.openxmlformats.org/officeDocument/2006/relationships" r:dm="rId7" r:lo="rId8" r:qs="rId9" r:cs="rId10"/>
           </a:graphicData>
         </a:graphic>
       </p:graphicFrame>
@@ -25131,7 +28320,7 @@
           <a:p>
             <a:r>
               <a:rPr lang="en-US" dirty="0"/>
-              <a:t>To reach such speed, the system needs</a:t>
+              <a:t>To reach such outcome, the system chiefly needs</a:t>
             </a:r>
           </a:p>
         </p:txBody>
@@ -25535,13 +28724,13 @@
   <p:clrMapOvr>
     <a:masterClrMapping/>
   </p:clrMapOvr>
-  <mc:AlternateContent xmlns:mc="http://schemas.openxmlformats.org/markup-compatibility/2006">
-    <mc:Choice xmlns:p14="http://schemas.microsoft.com/office/powerpoint/2010/main" Requires="p14">
+  <mc:AlternateContent xmlns:mc="http://schemas.openxmlformats.org/markup-compatibility/2006" xmlns:p14="http://schemas.microsoft.com/office/powerpoint/2010/main">
+    <mc:Choice Requires="p14">
       <p:transition spd="med" p14:dur="700">
         <p:fade/>
       </p:transition>
     </mc:Choice>
-    <mc:Fallback>
+    <mc:Fallback xmlns="">
       <p:transition spd="med">
         <p:fade/>
       </p:transition>
@@ -25551,6 +28740,299 @@
 </file>
 
 <file path=ppt/slides/slide7.xml><?xml version="1.0" encoding="utf-8"?>
+<p:sld xmlns:a="http://schemas.openxmlformats.org/drawingml/2006/main" xmlns:r="http://schemas.openxmlformats.org/officeDocument/2006/relationships" xmlns:p="http://schemas.openxmlformats.org/presentationml/2006/main">
+  <p:cSld>
+    <p:spTree>
+      <p:nvGrpSpPr>
+        <p:cNvPr id="1" name=""/>
+        <p:cNvGrpSpPr/>
+        <p:nvPr/>
+      </p:nvGrpSpPr>
+      <p:grpSpPr>
+        <a:xfrm>
+          <a:off x="0" y="0"/>
+          <a:ext cx="0" cy="0"/>
+          <a:chOff x="0" y="0"/>
+          <a:chExt cx="0" cy="0"/>
+        </a:xfrm>
+      </p:grpSpPr>
+      <p:sp>
+        <p:nvSpPr>
+          <p:cNvPr id="2" name="Title 1">
+            <a:extLst>
+              <a:ext uri="{FF2B5EF4-FFF2-40B4-BE49-F238E27FC236}">
+                <a16:creationId xmlns:a16="http://schemas.microsoft.com/office/drawing/2014/main" id="{5579856F-92A5-9936-EAA5-B01FC81B4FF8}"/>
+              </a:ext>
+            </a:extLst>
+          </p:cNvPr>
+          <p:cNvSpPr>
+            <a:spLocks noGrp="1"/>
+          </p:cNvSpPr>
+          <p:nvPr>
+            <p:ph type="title"/>
+          </p:nvPr>
+        </p:nvSpPr>
+        <p:spPr>
+          <a:xfrm>
+            <a:off x="720896" y="654049"/>
+            <a:ext cx="10058400" cy="914400"/>
+          </a:xfrm>
+        </p:spPr>
+        <p:txBody>
+          <a:bodyPr/>
+          <a:lstStyle/>
+          <a:p>
+            <a:r>
+              <a:rPr lang="en-US" dirty="0">
+                <a:solidFill>
+                  <a:schemeClr val="accent3">
+                    <a:lumMod val="75000"/>
+                  </a:schemeClr>
+                </a:solidFill>
+                <a:latin typeface="Calibri" panose="020F0502020204030204" pitchFamily="34" charset="0"/>
+                <a:cs typeface="Calibri" panose="020F0502020204030204" pitchFamily="34" charset="0"/>
+              </a:rPr>
+              <a:t>Testing environment</a:t>
+            </a:r>
+          </a:p>
+        </p:txBody>
+      </p:sp>
+      <p:sp>
+        <p:nvSpPr>
+          <p:cNvPr id="4" name="Slide Number Placeholder 3">
+            <a:extLst>
+              <a:ext uri="{FF2B5EF4-FFF2-40B4-BE49-F238E27FC236}">
+                <a16:creationId xmlns:a16="http://schemas.microsoft.com/office/drawing/2014/main" id="{AB34DDCD-707A-A5D7-B2C6-B463856CE28B}"/>
+              </a:ext>
+            </a:extLst>
+          </p:cNvPr>
+          <p:cNvSpPr>
+            <a:spLocks noGrp="1"/>
+          </p:cNvSpPr>
+          <p:nvPr>
+            <p:ph type="sldNum" sz="quarter" idx="11"/>
+          </p:nvPr>
+        </p:nvSpPr>
+        <p:spPr/>
+        <p:txBody>
+          <a:bodyPr/>
+          <a:lstStyle/>
+          <a:p>
+            <a:fld id="{75DF2D63-3FF5-D547-96B9-BE9CCD1ABA58}" type="slidenum">
+              <a:rPr lang="en-US" smtClean="0"/>
+              <a:pPr/>
+              <a:t>7</a:t>
+            </a:fld>
+            <a:endParaRPr lang="en-US" dirty="0"/>
+          </a:p>
+        </p:txBody>
+      </p:sp>
+      <p:pic>
+        <p:nvPicPr>
+          <p:cNvPr id="5" name="Picture 4">
+            <a:extLst>
+              <a:ext uri="{FF2B5EF4-FFF2-40B4-BE49-F238E27FC236}">
+                <a16:creationId xmlns:a16="http://schemas.microsoft.com/office/drawing/2014/main" id="{65A772F2-FF65-44A5-A8C9-0EBC92EBE244}"/>
+              </a:ext>
+            </a:extLst>
+          </p:cNvPr>
+          <p:cNvPicPr>
+            <a:picLocks noChangeAspect="1"/>
+          </p:cNvPicPr>
+          <p:nvPr/>
+        </p:nvPicPr>
+        <p:blipFill rotWithShape="1">
+          <a:blip r:embed="rId2"/>
+          <a:srcRect l="-253"/>
+          <a:stretch/>
+        </p:blipFill>
+        <p:spPr>
+          <a:xfrm>
+            <a:off x="720896" y="1669001"/>
+            <a:ext cx="5184558" cy="2916314"/>
+          </a:xfrm>
+          <a:prstGeom prst="rect">
+            <a:avLst/>
+          </a:prstGeom>
+        </p:spPr>
+      </p:pic>
+      <p:pic>
+        <p:nvPicPr>
+          <p:cNvPr id="7" name="Picture 6">
+            <a:extLst>
+              <a:ext uri="{FF2B5EF4-FFF2-40B4-BE49-F238E27FC236}">
+                <a16:creationId xmlns:a16="http://schemas.microsoft.com/office/drawing/2014/main" id="{64DFBEC2-1549-45EA-A783-5051A474B448}"/>
+              </a:ext>
+            </a:extLst>
+          </p:cNvPr>
+          <p:cNvPicPr>
+            <a:picLocks noChangeAspect="1"/>
+          </p:cNvPicPr>
+          <p:nvPr/>
+        </p:nvPicPr>
+        <p:blipFill>
+          <a:blip r:embed="rId3"/>
+          <a:stretch>
+            <a:fillRect/>
+          </a:stretch>
+        </p:blipFill>
+        <p:spPr>
+          <a:xfrm>
+            <a:off x="6286548" y="1669000"/>
+            <a:ext cx="5184560" cy="2916315"/>
+          </a:xfrm>
+          <a:prstGeom prst="rect">
+            <a:avLst/>
+          </a:prstGeom>
+        </p:spPr>
+      </p:pic>
+      <p:sp>
+        <p:nvSpPr>
+          <p:cNvPr id="8" name="TextBox 7">
+            <a:extLst>
+              <a:ext uri="{FF2B5EF4-FFF2-40B4-BE49-F238E27FC236}">
+                <a16:creationId xmlns:a16="http://schemas.microsoft.com/office/drawing/2014/main" id="{0B577AD3-AE48-49B3-8C48-1189651B869D}"/>
+              </a:ext>
+            </a:extLst>
+          </p:cNvPr>
+          <p:cNvSpPr txBox="1"/>
+          <p:nvPr/>
+        </p:nvSpPr>
+        <p:spPr>
+          <a:xfrm>
+            <a:off x="720896" y="4935984"/>
+            <a:ext cx="5184558" cy="1015663"/>
+          </a:xfrm>
+          <a:prstGeom prst="rect">
+            <a:avLst/>
+          </a:prstGeom>
+          <a:noFill/>
+        </p:spPr>
+        <p:txBody>
+          <a:bodyPr wrap="square" rtlCol="0">
+            <a:spAutoFit/>
+          </a:bodyPr>
+          <a:lstStyle/>
+          <a:p>
+            <a:r>
+              <a:rPr lang="en-US" sz="2000" dirty="0">
+                <a:latin typeface="Calibri" panose="020F0502020204030204" pitchFamily="34" charset="0"/>
+                <a:cs typeface="Calibri" panose="020F0502020204030204" pitchFamily="34" charset="0"/>
+              </a:rPr>
+              <a:t>Camera is mounted on car’s windshield (inside)</a:t>
+            </a:r>
+          </a:p>
+          <a:p>
+            <a:r>
+              <a:rPr lang="en-US" sz="2000" dirty="0">
+                <a:latin typeface="Calibri" panose="020F0502020204030204" pitchFamily="34" charset="0"/>
+                <a:cs typeface="Calibri" panose="020F0502020204030204" pitchFamily="34" charset="0"/>
+              </a:rPr>
+              <a:t>Approximate height of perspective: 1.5 m</a:t>
+            </a:r>
+          </a:p>
+          <a:p>
+            <a:r>
+              <a:rPr lang="en-US" sz="2000" dirty="0">
+                <a:latin typeface="Calibri" panose="020F0502020204030204" pitchFamily="34" charset="0"/>
+                <a:cs typeface="Calibri" panose="020F0502020204030204" pitchFamily="34" charset="0"/>
+              </a:rPr>
+              <a:t>Vehicle speed less than 72km/h</a:t>
+            </a:r>
+          </a:p>
+        </p:txBody>
+      </p:sp>
+      <p:sp>
+        <p:nvSpPr>
+          <p:cNvPr id="14" name="TextBox 13">
+            <a:extLst>
+              <a:ext uri="{FF2B5EF4-FFF2-40B4-BE49-F238E27FC236}">
+                <a16:creationId xmlns:a16="http://schemas.microsoft.com/office/drawing/2014/main" id="{415B0B16-604A-4C06-980A-82C62E1DE896}"/>
+              </a:ext>
+            </a:extLst>
+          </p:cNvPr>
+          <p:cNvSpPr txBox="1"/>
+          <p:nvPr/>
+        </p:nvSpPr>
+        <p:spPr>
+          <a:xfrm>
+            <a:off x="6286549" y="4935984"/>
+            <a:ext cx="5184558" cy="1323439"/>
+          </a:xfrm>
+          <a:prstGeom prst="rect">
+            <a:avLst/>
+          </a:prstGeom>
+          <a:noFill/>
+        </p:spPr>
+        <p:txBody>
+          <a:bodyPr wrap="square" rtlCol="0">
+            <a:spAutoFit/>
+          </a:bodyPr>
+          <a:lstStyle/>
+          <a:p>
+            <a:r>
+              <a:rPr lang="en-US" sz="2000" dirty="0">
+                <a:latin typeface="Calibri" panose="020F0502020204030204" pitchFamily="34" charset="0"/>
+                <a:cs typeface="Calibri" panose="020F0502020204030204" pitchFamily="34" charset="0"/>
+              </a:rPr>
+              <a:t>Road conditions:</a:t>
+            </a:r>
+          </a:p>
+          <a:p>
+            <a:pPr marL="285750" indent="-285750">
+              <a:buFont typeface="Arial" panose="020B0604020202020204" pitchFamily="34" charset="0"/>
+              <a:buChar char="•"/>
+            </a:pPr>
+            <a:r>
+              <a:rPr lang="en-US" sz="2000" dirty="0">
+                <a:latin typeface="Calibri" panose="020F0502020204030204" pitchFamily="34" charset="0"/>
+                <a:cs typeface="Calibri" panose="020F0502020204030204" pitchFamily="34" charset="0"/>
+              </a:rPr>
+              <a:t>Enough lightness</a:t>
+            </a:r>
+          </a:p>
+          <a:p>
+            <a:pPr marL="285750" indent="-285750">
+              <a:buFont typeface="Arial" panose="020B0604020202020204" pitchFamily="34" charset="0"/>
+              <a:buChar char="•"/>
+            </a:pPr>
+            <a:r>
+              <a:rPr lang="en-US" sz="2000" dirty="0">
+                <a:latin typeface="Calibri" panose="020F0502020204030204" pitchFamily="34" charset="0"/>
+                <a:cs typeface="Calibri" panose="020F0502020204030204" pitchFamily="34" charset="0"/>
+              </a:rPr>
+              <a:t>Vivid lane-markings</a:t>
+            </a:r>
+          </a:p>
+          <a:p>
+            <a:pPr marL="285750" indent="-285750">
+              <a:buFont typeface="Arial" panose="020B0604020202020204" pitchFamily="34" charset="0"/>
+              <a:buChar char="•"/>
+            </a:pPr>
+            <a:r>
+              <a:rPr lang="en-US" sz="2000" dirty="0">
+                <a:latin typeface="Calibri" panose="020F0502020204030204" pitchFamily="34" charset="0"/>
+                <a:cs typeface="Calibri" panose="020F0502020204030204" pitchFamily="34" charset="0"/>
+              </a:rPr>
+              <a:t>No miscellaneous objects (human, shading)</a:t>
+            </a:r>
+          </a:p>
+        </p:txBody>
+      </p:sp>
+    </p:spTree>
+    <p:extLst>
+      <p:ext uri="{BB962C8B-B14F-4D97-AF65-F5344CB8AC3E}">
+        <p14:creationId xmlns:p14="http://schemas.microsoft.com/office/powerpoint/2010/main" val="1263875044"/>
+      </p:ext>
+    </p:extLst>
+  </p:cSld>
+  <p:clrMapOvr>
+    <a:masterClrMapping/>
+  </p:clrMapOvr>
+</p:sld>
+</file>
+
+<file path=ppt/slides/slide8.xml><?xml version="1.0" encoding="utf-8"?>
 <p:sld xmlns:a="http://schemas.openxmlformats.org/drawingml/2006/main" xmlns:r="http://schemas.openxmlformats.org/officeDocument/2006/relationships" xmlns:p="http://schemas.openxmlformats.org/presentationml/2006/main">
   <p:cSld>
     <p:spTree>
@@ -25603,7 +29085,7 @@
                 <a:latin typeface="Calibri" panose="020F0502020204030204" pitchFamily="34" charset="0"/>
                 <a:cs typeface="Calibri" panose="020F0502020204030204" pitchFamily="34" charset="0"/>
               </a:rPr>
-              <a:t>Testing</a:t>
+              <a:t>Testing evaluation</a:t>
             </a:r>
           </a:p>
         </p:txBody>
@@ -25632,7 +29114,7 @@
             <a:fld id="{75DF2D63-3FF5-D547-96B9-BE9CCD1ABA58}" type="slidenum">
               <a:rPr lang="en-US" smtClean="0"/>
               <a:pPr/>
-              <a:t>7</a:t>
+              <a:t>8</a:t>
             </a:fld>
             <a:endParaRPr lang="en-US" dirty="0"/>
           </a:p>
@@ -25838,7 +29320,7 @@
     </p:spTree>
     <p:extLst>
       <p:ext uri="{BB962C8B-B14F-4D97-AF65-F5344CB8AC3E}">
-        <p14:creationId xmlns:p14="http://schemas.microsoft.com/office/powerpoint/2010/main" val="1263875044"/>
+        <p14:creationId xmlns:p14="http://schemas.microsoft.com/office/powerpoint/2010/main" val="2985784389"/>
       </p:ext>
     </p:extLst>
   </p:cSld>
@@ -25848,7 +29330,7 @@
 </p:sld>
 </file>
 
-<file path=ppt/slides/slide8.xml><?xml version="1.0" encoding="utf-8"?>
+<file path=ppt/slides/slide9.xml><?xml version="1.0" encoding="utf-8"?>
 <p:sld xmlns:a="http://schemas.openxmlformats.org/drawingml/2006/main" xmlns:r="http://schemas.openxmlformats.org/officeDocument/2006/relationships" xmlns:p="http://schemas.openxmlformats.org/presentationml/2006/main">
   <p:cSld>
     <p:spTree>
@@ -25930,7 +29412,7 @@
             <a:fld id="{75DF2D63-3FF5-D547-96B9-BE9CCD1ABA58}" type="slidenum">
               <a:rPr lang="en-US" smtClean="0"/>
               <a:pPr/>
-              <a:t>8</a:t>
+              <a:t>9</a:t>
             </a:fld>
             <a:endParaRPr lang="en-US" dirty="0"/>
           </a:p>
@@ -26651,514 +30133,6 @@
     <p:extLst>
       <p:ext uri="{BB962C8B-B14F-4D97-AF65-F5344CB8AC3E}">
         <p14:creationId xmlns:p14="http://schemas.microsoft.com/office/powerpoint/2010/main" val="2624048766"/>
-      </p:ext>
-    </p:extLst>
-  </p:cSld>
-  <p:clrMapOvr>
-    <a:masterClrMapping/>
-  </p:clrMapOvr>
-</p:sld>
-</file>
-
-<file path=ppt/slides/slide9.xml><?xml version="1.0" encoding="utf-8"?>
-<p:sld xmlns:a="http://schemas.openxmlformats.org/drawingml/2006/main" xmlns:r="http://schemas.openxmlformats.org/officeDocument/2006/relationships" xmlns:p="http://schemas.openxmlformats.org/presentationml/2006/main">
-  <p:cSld>
-    <p:spTree>
-      <p:nvGrpSpPr>
-        <p:cNvPr id="1" name=""/>
-        <p:cNvGrpSpPr/>
-        <p:nvPr/>
-      </p:nvGrpSpPr>
-      <p:grpSpPr>
-        <a:xfrm>
-          <a:off x="0" y="0"/>
-          <a:ext cx="0" cy="0"/>
-          <a:chOff x="0" y="0"/>
-          <a:chExt cx="0" cy="0"/>
-        </a:xfrm>
-      </p:grpSpPr>
-      <p:sp>
-        <p:nvSpPr>
-          <p:cNvPr id="2" name="Title 1">
-            <a:extLst>
-              <a:ext uri="{FF2B5EF4-FFF2-40B4-BE49-F238E27FC236}">
-                <a16:creationId xmlns:a16="http://schemas.microsoft.com/office/drawing/2014/main" id="{5579856F-92A5-9936-EAA5-B01FC81B4FF8}"/>
-              </a:ext>
-            </a:extLst>
-          </p:cNvPr>
-          <p:cNvSpPr>
-            <a:spLocks noGrp="1"/>
-          </p:cNvSpPr>
-          <p:nvPr>
-            <p:ph type="title"/>
-          </p:nvPr>
-        </p:nvSpPr>
-        <p:spPr>
-          <a:xfrm>
-            <a:off x="649224" y="649287"/>
-            <a:ext cx="10058400" cy="914400"/>
-          </a:xfrm>
-        </p:spPr>
-        <p:txBody>
-          <a:bodyPr/>
-          <a:lstStyle/>
-          <a:p>
-            <a:r>
-              <a:rPr lang="en-US" dirty="0">
-                <a:solidFill>
-                  <a:schemeClr val="accent3">
-                    <a:lumMod val="75000"/>
-                  </a:schemeClr>
-                </a:solidFill>
-                <a:latin typeface="Calibri" panose="020F0502020204030204" pitchFamily="34" charset="0"/>
-                <a:cs typeface="Calibri" panose="020F0502020204030204" pitchFamily="34" charset="0"/>
-              </a:rPr>
-              <a:t>Deployment</a:t>
-            </a:r>
-          </a:p>
-        </p:txBody>
-      </p:sp>
-      <p:sp>
-        <p:nvSpPr>
-          <p:cNvPr id="4" name="Slide Number Placeholder 3">
-            <a:extLst>
-              <a:ext uri="{FF2B5EF4-FFF2-40B4-BE49-F238E27FC236}">
-                <a16:creationId xmlns:a16="http://schemas.microsoft.com/office/drawing/2014/main" id="{AB34DDCD-707A-A5D7-B2C6-B463856CE28B}"/>
-              </a:ext>
-            </a:extLst>
-          </p:cNvPr>
-          <p:cNvSpPr>
-            <a:spLocks noGrp="1"/>
-          </p:cNvSpPr>
-          <p:nvPr>
-            <p:ph type="sldNum" sz="quarter" idx="11"/>
-          </p:nvPr>
-        </p:nvSpPr>
-        <p:spPr/>
-        <p:txBody>
-          <a:bodyPr/>
-          <a:lstStyle/>
-          <a:p>
-            <a:fld id="{75DF2D63-3FF5-D547-96B9-BE9CCD1ABA58}" type="slidenum">
-              <a:rPr lang="en-US" smtClean="0"/>
-              <a:pPr/>
-              <a:t>9</a:t>
-            </a:fld>
-            <a:endParaRPr lang="en-US" dirty="0"/>
-          </a:p>
-        </p:txBody>
-      </p:sp>
-      <p:sp>
-        <p:nvSpPr>
-          <p:cNvPr id="7" name="TextBox 6">
-            <a:extLst>
-              <a:ext uri="{FF2B5EF4-FFF2-40B4-BE49-F238E27FC236}">
-                <a16:creationId xmlns:a16="http://schemas.microsoft.com/office/drawing/2014/main" id="{BE408871-7213-4B57-A753-F297212DCDFB}"/>
-              </a:ext>
-            </a:extLst>
-          </p:cNvPr>
-          <p:cNvSpPr txBox="1"/>
-          <p:nvPr/>
-        </p:nvSpPr>
-        <p:spPr>
-          <a:xfrm>
-            <a:off x="649224" y="2383900"/>
-            <a:ext cx="3035009" cy="707886"/>
-          </a:xfrm>
-          <a:prstGeom prst="rect">
-            <a:avLst/>
-          </a:prstGeom>
-          <a:noFill/>
-        </p:spPr>
-        <p:txBody>
-          <a:bodyPr wrap="square" rtlCol="0">
-            <a:spAutoFit/>
-          </a:bodyPr>
-          <a:lstStyle/>
-          <a:p>
-            <a:r>
-              <a:rPr lang="en-US" sz="2000" dirty="0">
-                <a:latin typeface="Calibri" panose="020F0502020204030204" pitchFamily="34" charset="0"/>
-                <a:cs typeface="Calibri" panose="020F0502020204030204" pitchFamily="34" charset="0"/>
-              </a:rPr>
-              <a:t>After passing the test</a:t>
-            </a:r>
-          </a:p>
-          <a:p>
-            <a:r>
-              <a:rPr lang="en-US" sz="2000" dirty="0">
-                <a:latin typeface="Calibri" panose="020F0502020204030204" pitchFamily="34" charset="0"/>
-                <a:cs typeface="Calibri" panose="020F0502020204030204" pitchFamily="34" charset="0"/>
-              </a:rPr>
-              <a:t>Record the processing time</a:t>
-            </a:r>
-          </a:p>
-        </p:txBody>
-      </p:sp>
-      <p:sp>
-        <p:nvSpPr>
-          <p:cNvPr id="10" name="TextBox 9">
-            <a:extLst>
-              <a:ext uri="{FF2B5EF4-FFF2-40B4-BE49-F238E27FC236}">
-                <a16:creationId xmlns:a16="http://schemas.microsoft.com/office/drawing/2014/main" id="{5FD34435-B55A-4406-88D5-DFF568056778}"/>
-              </a:ext>
-            </a:extLst>
-          </p:cNvPr>
-          <p:cNvSpPr txBox="1"/>
-          <p:nvPr/>
-        </p:nvSpPr>
-        <p:spPr>
-          <a:xfrm>
-            <a:off x="649224" y="1768347"/>
-            <a:ext cx="3266982" cy="461665"/>
-          </a:xfrm>
-          <a:prstGeom prst="rect">
-            <a:avLst/>
-          </a:prstGeom>
-          <a:noFill/>
-        </p:spPr>
-        <p:txBody>
-          <a:bodyPr wrap="square" rtlCol="0">
-            <a:spAutoFit/>
-          </a:bodyPr>
-          <a:lstStyle/>
-          <a:p>
-            <a:r>
-              <a:rPr lang="en-US" sz="2400" b="1" dirty="0">
-                <a:latin typeface="Calibri" panose="020F0502020204030204" pitchFamily="34" charset="0"/>
-                <a:cs typeface="Calibri" panose="020F0502020204030204" pitchFamily="34" charset="0"/>
-              </a:rPr>
-              <a:t>SPEED</a:t>
-            </a:r>
-          </a:p>
-        </p:txBody>
-      </p:sp>
-      <p:sp>
-        <p:nvSpPr>
-          <p:cNvPr id="12" name="TextBox 11">
-            <a:extLst>
-              <a:ext uri="{FF2B5EF4-FFF2-40B4-BE49-F238E27FC236}">
-                <a16:creationId xmlns:a16="http://schemas.microsoft.com/office/drawing/2014/main" id="{9BD3DB28-4663-4D5F-8679-743FE34F63BF}"/>
-              </a:ext>
-            </a:extLst>
-          </p:cNvPr>
-          <p:cNvSpPr txBox="1"/>
-          <p:nvPr/>
-        </p:nvSpPr>
-        <p:spPr>
-          <a:xfrm>
-            <a:off x="4019524" y="2537788"/>
-            <a:ext cx="2281561" cy="400110"/>
-          </a:xfrm>
-          <a:prstGeom prst="rect">
-            <a:avLst/>
-          </a:prstGeom>
-          <a:noFill/>
-        </p:spPr>
-        <p:txBody>
-          <a:bodyPr wrap="square" rtlCol="0">
-            <a:spAutoFit/>
-          </a:bodyPr>
-          <a:lstStyle/>
-          <a:p>
-            <a:r>
-              <a:rPr lang="en-US" sz="2000" dirty="0">
-                <a:latin typeface="Calibri" panose="020F0502020204030204" pitchFamily="34" charset="0"/>
-                <a:cs typeface="Calibri" panose="020F0502020204030204" pitchFamily="34" charset="0"/>
-              </a:rPr>
-              <a:t>Take the difference</a:t>
-            </a:r>
-          </a:p>
-        </p:txBody>
-      </p:sp>
-      <p:sp>
-        <p:nvSpPr>
-          <p:cNvPr id="14" name="TextBox 13">
-            <a:extLst>
-              <a:ext uri="{FF2B5EF4-FFF2-40B4-BE49-F238E27FC236}">
-                <a16:creationId xmlns:a16="http://schemas.microsoft.com/office/drawing/2014/main" id="{918B979B-FA91-47D5-B66A-246E1FC90066}"/>
-              </a:ext>
-            </a:extLst>
-          </p:cNvPr>
-          <p:cNvSpPr txBox="1"/>
-          <p:nvPr/>
-        </p:nvSpPr>
-        <p:spPr>
-          <a:xfrm>
-            <a:off x="6664457" y="2537788"/>
-            <a:ext cx="2539014" cy="400110"/>
-          </a:xfrm>
-          <a:prstGeom prst="rect">
-            <a:avLst/>
-          </a:prstGeom>
-          <a:noFill/>
-        </p:spPr>
-        <p:txBody>
-          <a:bodyPr wrap="square" rtlCol="0">
-            <a:spAutoFit/>
-          </a:bodyPr>
-          <a:lstStyle/>
-          <a:p>
-            <a:r>
-              <a:rPr lang="en-US" sz="2000" dirty="0">
-                <a:latin typeface="Calibri" panose="020F0502020204030204" pitchFamily="34" charset="0"/>
-                <a:cs typeface="Calibri" panose="020F0502020204030204" pitchFamily="34" charset="0"/>
-              </a:rPr>
-              <a:t>Hardware accelerator</a:t>
-            </a:r>
-          </a:p>
-        </p:txBody>
-      </p:sp>
-      <p:sp>
-        <p:nvSpPr>
-          <p:cNvPr id="15" name="TextBox 14">
-            <a:extLst>
-              <a:ext uri="{FF2B5EF4-FFF2-40B4-BE49-F238E27FC236}">
-                <a16:creationId xmlns:a16="http://schemas.microsoft.com/office/drawing/2014/main" id="{E24AE653-F4E0-45A7-AB03-2033F9900C52}"/>
-              </a:ext>
-            </a:extLst>
-          </p:cNvPr>
-          <p:cNvSpPr txBox="1"/>
-          <p:nvPr/>
-        </p:nvSpPr>
-        <p:spPr>
-          <a:xfrm>
-            <a:off x="9566843" y="2537788"/>
-            <a:ext cx="2281561" cy="400110"/>
-          </a:xfrm>
-          <a:prstGeom prst="rect">
-            <a:avLst/>
-          </a:prstGeom>
-          <a:noFill/>
-        </p:spPr>
-        <p:txBody>
-          <a:bodyPr wrap="square" rtlCol="0">
-            <a:spAutoFit/>
-          </a:bodyPr>
-          <a:lstStyle/>
-          <a:p>
-            <a:r>
-              <a:rPr lang="en-US" sz="2000" dirty="0">
-                <a:latin typeface="Calibri" panose="020F0502020204030204" pitchFamily="34" charset="0"/>
-                <a:cs typeface="Calibri" panose="020F0502020204030204" pitchFamily="34" charset="0"/>
-              </a:rPr>
-              <a:t>Desire outcome</a:t>
-            </a:r>
-          </a:p>
-        </p:txBody>
-      </p:sp>
-      <p:cxnSp>
-        <p:nvCxnSpPr>
-          <p:cNvPr id="17" name="Straight Arrow Connector 16">
-            <a:extLst>
-              <a:ext uri="{FF2B5EF4-FFF2-40B4-BE49-F238E27FC236}">
-                <a16:creationId xmlns:a16="http://schemas.microsoft.com/office/drawing/2014/main" id="{27F927CE-41DE-40D2-AAF2-13D0C2F43987}"/>
-              </a:ext>
-            </a:extLst>
-          </p:cNvPr>
-          <p:cNvCxnSpPr>
-            <a:cxnSpLocks/>
-            <a:stCxn id="7" idx="3"/>
-            <a:endCxn id="12" idx="1"/>
-          </p:cNvCxnSpPr>
-          <p:nvPr/>
-        </p:nvCxnSpPr>
-        <p:spPr>
-          <a:xfrm>
-            <a:off x="3684233" y="2737843"/>
-            <a:ext cx="335291" cy="0"/>
-          </a:xfrm>
-          <a:prstGeom prst="straightConnector1">
-            <a:avLst/>
-          </a:prstGeom>
-          <a:ln w="38100">
-            <a:tailEnd type="triangle"/>
-          </a:ln>
-        </p:spPr>
-        <p:style>
-          <a:lnRef idx="1">
-            <a:schemeClr val="accent1"/>
-          </a:lnRef>
-          <a:fillRef idx="0">
-            <a:schemeClr val="accent1"/>
-          </a:fillRef>
-          <a:effectRef idx="0">
-            <a:schemeClr val="accent1"/>
-          </a:effectRef>
-          <a:fontRef idx="minor">
-            <a:schemeClr val="tx1"/>
-          </a:fontRef>
-        </p:style>
-      </p:cxnSp>
-      <p:cxnSp>
-        <p:nvCxnSpPr>
-          <p:cNvPr id="19" name="Straight Arrow Connector 18">
-            <a:extLst>
-              <a:ext uri="{FF2B5EF4-FFF2-40B4-BE49-F238E27FC236}">
-                <a16:creationId xmlns:a16="http://schemas.microsoft.com/office/drawing/2014/main" id="{62618B80-E7E9-4214-BF1E-68097FE53513}"/>
-              </a:ext>
-            </a:extLst>
-          </p:cNvPr>
-          <p:cNvCxnSpPr>
-            <a:cxnSpLocks/>
-            <a:stCxn id="12" idx="3"/>
-            <a:endCxn id="14" idx="1"/>
-          </p:cNvCxnSpPr>
-          <p:nvPr/>
-        </p:nvCxnSpPr>
-        <p:spPr>
-          <a:xfrm>
-            <a:off x="6301085" y="2737843"/>
-            <a:ext cx="363372" cy="0"/>
-          </a:xfrm>
-          <a:prstGeom prst="straightConnector1">
-            <a:avLst/>
-          </a:prstGeom>
-          <a:ln w="38100">
-            <a:tailEnd type="triangle"/>
-          </a:ln>
-        </p:spPr>
-        <p:style>
-          <a:lnRef idx="1">
-            <a:schemeClr val="accent1"/>
-          </a:lnRef>
-          <a:fillRef idx="0">
-            <a:schemeClr val="accent1"/>
-          </a:fillRef>
-          <a:effectRef idx="0">
-            <a:schemeClr val="accent1"/>
-          </a:effectRef>
-          <a:fontRef idx="minor">
-            <a:schemeClr val="tx1"/>
-          </a:fontRef>
-        </p:style>
-      </p:cxnSp>
-      <p:cxnSp>
-        <p:nvCxnSpPr>
-          <p:cNvPr id="21" name="Straight Arrow Connector 20">
-            <a:extLst>
-              <a:ext uri="{FF2B5EF4-FFF2-40B4-BE49-F238E27FC236}">
-                <a16:creationId xmlns:a16="http://schemas.microsoft.com/office/drawing/2014/main" id="{50CAC16A-BF08-4CFF-B492-73E8186B1BCE}"/>
-              </a:ext>
-            </a:extLst>
-          </p:cNvPr>
-          <p:cNvCxnSpPr>
-            <a:cxnSpLocks/>
-            <a:stCxn id="14" idx="3"/>
-            <a:endCxn id="15" idx="1"/>
-          </p:cNvCxnSpPr>
-          <p:nvPr/>
-        </p:nvCxnSpPr>
-        <p:spPr>
-          <a:xfrm>
-            <a:off x="9203471" y="2737843"/>
-            <a:ext cx="363372" cy="0"/>
-          </a:xfrm>
-          <a:prstGeom prst="straightConnector1">
-            <a:avLst/>
-          </a:prstGeom>
-          <a:ln w="38100">
-            <a:tailEnd type="triangle"/>
-          </a:ln>
-        </p:spPr>
-        <p:style>
-          <a:lnRef idx="1">
-            <a:schemeClr val="accent1"/>
-          </a:lnRef>
-          <a:fillRef idx="0">
-            <a:schemeClr val="accent1"/>
-          </a:fillRef>
-          <a:effectRef idx="0">
-            <a:schemeClr val="accent1"/>
-          </a:effectRef>
-          <a:fontRef idx="minor">
-            <a:schemeClr val="tx1"/>
-          </a:fontRef>
-        </p:style>
-      </p:cxnSp>
-      <p:sp>
-        <p:nvSpPr>
-          <p:cNvPr id="36" name="TextBox 35">
-            <a:extLst>
-              <a:ext uri="{FF2B5EF4-FFF2-40B4-BE49-F238E27FC236}">
-                <a16:creationId xmlns:a16="http://schemas.microsoft.com/office/drawing/2014/main" id="{9993D3C7-E678-48C9-B414-57105DEAB1C3}"/>
-              </a:ext>
-            </a:extLst>
-          </p:cNvPr>
-          <p:cNvSpPr txBox="1"/>
-          <p:nvPr/>
-        </p:nvSpPr>
-        <p:spPr>
-          <a:xfrm>
-            <a:off x="649224" y="4260869"/>
-            <a:ext cx="2299316" cy="461665"/>
-          </a:xfrm>
-          <a:prstGeom prst="rect">
-            <a:avLst/>
-          </a:prstGeom>
-          <a:noFill/>
-        </p:spPr>
-        <p:txBody>
-          <a:bodyPr wrap="square" rtlCol="0">
-            <a:spAutoFit/>
-          </a:bodyPr>
-          <a:lstStyle/>
-          <a:p>
-            <a:r>
-              <a:rPr lang="en-US" sz="2400" b="1" dirty="0">
-                <a:latin typeface="Calibri" panose="020F0502020204030204" pitchFamily="34" charset="0"/>
-                <a:cs typeface="Calibri" panose="020F0502020204030204" pitchFamily="34" charset="0"/>
-              </a:rPr>
-              <a:t>ROBUSTNESS</a:t>
-            </a:r>
-          </a:p>
-        </p:txBody>
-      </p:sp>
-      <p:sp>
-        <p:nvSpPr>
-          <p:cNvPr id="37" name="TextBox 36">
-            <a:extLst>
-              <a:ext uri="{FF2B5EF4-FFF2-40B4-BE49-F238E27FC236}">
-                <a16:creationId xmlns:a16="http://schemas.microsoft.com/office/drawing/2014/main" id="{A8E36EDE-15FC-4EE3-BE56-EAB50743D5E2}"/>
-              </a:ext>
-            </a:extLst>
-          </p:cNvPr>
-          <p:cNvSpPr txBox="1"/>
-          <p:nvPr/>
-        </p:nvSpPr>
-        <p:spPr>
-          <a:xfrm>
-            <a:off x="649224" y="4973361"/>
-            <a:ext cx="3430555" cy="646331"/>
-          </a:xfrm>
-          <a:prstGeom prst="rect">
-            <a:avLst/>
-          </a:prstGeom>
-          <a:noFill/>
-        </p:spPr>
-        <p:txBody>
-          <a:bodyPr wrap="none" rtlCol="0">
-            <a:spAutoFit/>
-          </a:bodyPr>
-          <a:lstStyle/>
-          <a:p>
-            <a:r>
-              <a:rPr lang="en-US" dirty="0"/>
-              <a:t>[ADD methods to increase robustness]</a:t>
-            </a:r>
-          </a:p>
-          <a:p>
-            <a:r>
-              <a:rPr lang="en-US" dirty="0"/>
-              <a:t>[this slide need more graphic care]</a:t>
-            </a:r>
-          </a:p>
-        </p:txBody>
-      </p:sp>
-    </p:spTree>
-    <p:extLst>
-      <p:ext uri="{BB962C8B-B14F-4D97-AF65-F5344CB8AC3E}">
-        <p14:creationId xmlns:p14="http://schemas.microsoft.com/office/powerpoint/2010/main" val="1066650205"/>
       </p:ext>
     </p:extLst>
   </p:cSld>
@@ -27960,6 +30934,15 @@
 </file>
 
 <file path=customXml/item1.xml><?xml version="1.0" encoding="utf-8"?>
+<?mso-contentType ?>
+<FormTemplates xmlns="http://schemas.microsoft.com/sharepoint/v3/contenttype/forms">
+  <Display>DocumentLibraryForm</Display>
+  <Edit>DocumentLibraryForm</Edit>
+  <New>DocumentLibraryForm</New>
+</FormTemplates>
+</file>
+
+<file path=customXml/item2.xml><?xml version="1.0" encoding="utf-8"?>
 <ct:contentTypeSchema xmlns:ct="http://schemas.microsoft.com/office/2006/metadata/contentType" xmlns:ma="http://schemas.microsoft.com/office/2006/metadata/properties/metaAttributes" ct:_="" ma:_="" ma:contentTypeName="Document" ma:contentTypeID="0x01010079F111ED35F8CC479449609E8A0923A6" ma:contentTypeVersion="25" ma:contentTypeDescription="Create a new document." ma:contentTypeScope="" ma:versionID="e02306daf00165b375dc6a58966960be">
   <xsd:schema xmlns:xsd="http://www.w3.org/2001/XMLSchema" xmlns:xs="http://www.w3.org/2001/XMLSchema" xmlns:p="http://schemas.microsoft.com/office/2006/metadata/properties" xmlns:ns1="http://schemas.microsoft.com/sharepoint/v3" xmlns:ns2="71af3243-3dd4-4a8d-8c0d-dd76da1f02a5" xmlns:ns3="16c05727-aa75-4e4a-9b5f-8a80a1165891" xmlns:ns4="230e9df3-be65-4c73-a93b-d1236ebd677e" targetNamespace="http://schemas.microsoft.com/office/2006/metadata/properties" ma:root="true" ma:fieldsID="df88fb76bf5f555224557953949c1ec9" ns1:_="" ns2:_="" ns3:_="" ns4:_="">
     <xsd:import namespace="http://schemas.microsoft.com/sharepoint/v3"/>
@@ -28253,15 +31236,6 @@
 </ct:contentTypeSchema>
 </file>
 
-<file path=customXml/item2.xml><?xml version="1.0" encoding="utf-8"?>
-<?mso-contentType ?>
-<FormTemplates xmlns="http://schemas.microsoft.com/sharepoint/v3/contenttype/forms">
-  <Display>DocumentLibraryForm</Display>
-  <Edit>DocumentLibraryForm</Edit>
-  <New>DocumentLibraryForm</New>
-</FormTemplates>
-</file>
-
 <file path=customXml/item3.xml><?xml version="1.0" encoding="utf-8"?>
 <p:properties xmlns:p="http://schemas.microsoft.com/office/2006/metadata/properties" xmlns:xsi="http://www.w3.org/2001/XMLSchema-instance" xmlns:pc="http://schemas.microsoft.com/office/infopath/2007/PartnerControls">
   <documentManagement>
@@ -28283,6 +31257,14 @@
 </file>
 
 <file path=customXml/itemProps1.xml><?xml version="1.0" encoding="utf-8"?>
+<ds:datastoreItem xmlns:ds="http://schemas.openxmlformats.org/officeDocument/2006/customXml" ds:itemID="{0E8B3377-22F1-4153-96F0-CC2E4BE41C57}">
+  <ds:schemaRefs>
+    <ds:schemaRef ds:uri="http://schemas.microsoft.com/sharepoint/v3/contenttype/forms"/>
+  </ds:schemaRefs>
+</ds:datastoreItem>
+</file>
+
+<file path=customXml/itemProps2.xml><?xml version="1.0" encoding="utf-8"?>
 <ds:datastoreItem xmlns:ds="http://schemas.openxmlformats.org/officeDocument/2006/customXml" ds:itemID="{2EB2FABB-45EC-440E-B647-8CA57BA45ACA}">
   <ds:schemaRefs>
     <ds:schemaRef ds:uri="http://schemas.microsoft.com/office/2006/metadata/contentType"/>
@@ -28303,14 +31285,6 @@
 </ds:datastoreItem>
 </file>
 
-<file path=customXml/itemProps2.xml><?xml version="1.0" encoding="utf-8"?>
-<ds:datastoreItem xmlns:ds="http://schemas.openxmlformats.org/officeDocument/2006/customXml" ds:itemID="{0E8B3377-22F1-4153-96F0-CC2E4BE41C57}">
-  <ds:schemaRefs>
-    <ds:schemaRef ds:uri="http://schemas.microsoft.com/sharepoint/v3/contenttype/forms"/>
-  </ds:schemaRefs>
-</ds:datastoreItem>
-</file>
-
 <file path=customXml/itemProps3.xml><?xml version="1.0" encoding="utf-8"?>
 <ds:datastoreItem xmlns:ds="http://schemas.openxmlformats.org/officeDocument/2006/customXml" ds:itemID="{99746342-5E84-430E-9251-61001F208E7A}">
   <ds:schemaRefs>
